--- a/11月10日報告資料.pptx
+++ b/11月10日報告資料.pptx
@@ -5,30 +5,32 @@
     <p:sldMasterId id="2147483660" r:id="rId1"/>
   </p:sldMasterIdLst>
   <p:notesMasterIdLst>
-    <p:notesMasterId r:id="rId23"/>
+    <p:notesMasterId r:id="rId25"/>
   </p:notesMasterIdLst>
   <p:sldIdLst>
     <p:sldId id="256" r:id="rId2"/>
     <p:sldId id="279" r:id="rId3"/>
     <p:sldId id="260" r:id="rId4"/>
     <p:sldId id="262" r:id="rId5"/>
-    <p:sldId id="259" r:id="rId6"/>
-    <p:sldId id="266" r:id="rId7"/>
-    <p:sldId id="267" r:id="rId8"/>
-    <p:sldId id="264" r:id="rId9"/>
-    <p:sldId id="265" r:id="rId10"/>
-    <p:sldId id="274" r:id="rId11"/>
-    <p:sldId id="277" r:id="rId12"/>
-    <p:sldId id="269" r:id="rId13"/>
-    <p:sldId id="273" r:id="rId14"/>
-    <p:sldId id="275" r:id="rId15"/>
-    <p:sldId id="270" r:id="rId16"/>
-    <p:sldId id="263" r:id="rId17"/>
-    <p:sldId id="272" r:id="rId18"/>
-    <p:sldId id="278" r:id="rId19"/>
-    <p:sldId id="257" r:id="rId20"/>
-    <p:sldId id="268" r:id="rId21"/>
-    <p:sldId id="271" r:id="rId22"/>
+    <p:sldId id="280" r:id="rId6"/>
+    <p:sldId id="281" r:id="rId7"/>
+    <p:sldId id="259" r:id="rId8"/>
+    <p:sldId id="266" r:id="rId9"/>
+    <p:sldId id="267" r:id="rId10"/>
+    <p:sldId id="264" r:id="rId11"/>
+    <p:sldId id="265" r:id="rId12"/>
+    <p:sldId id="274" r:id="rId13"/>
+    <p:sldId id="277" r:id="rId14"/>
+    <p:sldId id="269" r:id="rId15"/>
+    <p:sldId id="273" r:id="rId16"/>
+    <p:sldId id="275" r:id="rId17"/>
+    <p:sldId id="270" r:id="rId18"/>
+    <p:sldId id="263" r:id="rId19"/>
+    <p:sldId id="272" r:id="rId20"/>
+    <p:sldId id="278" r:id="rId21"/>
+    <p:sldId id="257" r:id="rId22"/>
+    <p:sldId id="268" r:id="rId23"/>
+    <p:sldId id="271" r:id="rId24"/>
   </p:sldIdLst>
   <p:sldSz cx="9144000" cy="6858000" type="screen4x3"/>
   <p:notesSz cx="6858000" cy="9144000"/>
@@ -217,7 +219,7 @@
           <a:p>
             <a:fld id="{19170713-464D-4F64-8827-AD62DFF338CA}" type="datetimeFigureOut">
               <a:rPr kumimoji="1" lang="ja-JP" altLang="en-US" smtClean="0"/>
-              <a:t>2025/11/10</a:t>
+              <a:t>2025/12/12</a:t>
             </a:fld>
             <a:endParaRPr kumimoji="1" lang="ja-JP" altLang="en-US"/>
           </a:p>
@@ -647,7 +649,7 @@
           <a:p>
             <a:fld id="{0E8EDB27-28D2-4F50-B8D7-72F33C6DCD30}" type="datetime1">
               <a:rPr kumimoji="1" lang="ja-JP" altLang="en-US" smtClean="0"/>
-              <a:t>2025/11/10</a:t>
+              <a:t>2025/12/12</a:t>
             </a:fld>
             <a:endParaRPr kumimoji="1" lang="ja-JP" altLang="en-US"/>
           </a:p>
@@ -849,7 +851,7 @@
           <a:p>
             <a:fld id="{C8C4486C-F499-47DC-8EEB-C5B1567EEEB1}" type="datetime1">
               <a:rPr kumimoji="1" lang="ja-JP" altLang="en-US" smtClean="0"/>
-              <a:t>2025/11/10</a:t>
+              <a:t>2025/12/12</a:t>
             </a:fld>
             <a:endParaRPr kumimoji="1" lang="ja-JP" altLang="en-US"/>
           </a:p>
@@ -1061,7 +1063,7 @@
           <a:p>
             <a:fld id="{1831B393-FDDC-4C90-9015-4F1C2EC73E65}" type="datetime1">
               <a:rPr kumimoji="1" lang="ja-JP" altLang="en-US" smtClean="0"/>
-              <a:t>2025/11/10</a:t>
+              <a:t>2025/12/12</a:t>
             </a:fld>
             <a:endParaRPr kumimoji="1" lang="ja-JP" altLang="en-US"/>
           </a:p>
@@ -1263,7 +1265,7 @@
           <a:p>
             <a:fld id="{143316E9-A000-4224-A418-5BF58C8DE7F6}" type="datetime1">
               <a:rPr kumimoji="1" lang="ja-JP" altLang="en-US" smtClean="0"/>
-              <a:t>2025/11/10</a:t>
+              <a:t>2025/12/12</a:t>
             </a:fld>
             <a:endParaRPr kumimoji="1" lang="ja-JP" altLang="en-US"/>
           </a:p>
@@ -1509,7 +1511,7 @@
           <a:p>
             <a:fld id="{33747EE8-77B8-4A7C-978E-4B83B820BB7F}" type="datetime1">
               <a:rPr kumimoji="1" lang="ja-JP" altLang="en-US" smtClean="0"/>
-              <a:t>2025/11/10</a:t>
+              <a:t>2025/12/12</a:t>
             </a:fld>
             <a:endParaRPr kumimoji="1" lang="ja-JP" altLang="en-US"/>
           </a:p>
@@ -1805,7 +1807,7 @@
           <a:p>
             <a:fld id="{66220C61-7C9B-44BF-8B25-AEC0F085ABEC}" type="datetime1">
               <a:rPr kumimoji="1" lang="ja-JP" altLang="en-US" smtClean="0"/>
-              <a:t>2025/11/10</a:t>
+              <a:t>2025/12/12</a:t>
             </a:fld>
             <a:endParaRPr kumimoji="1" lang="ja-JP" altLang="en-US"/>
           </a:p>
@@ -2236,7 +2238,7 @@
           <a:p>
             <a:fld id="{963C0B27-3197-434E-AEF9-C54D7C61FD9F}" type="datetime1">
               <a:rPr kumimoji="1" lang="ja-JP" altLang="en-US" smtClean="0"/>
-              <a:t>2025/11/10</a:t>
+              <a:t>2025/12/12</a:t>
             </a:fld>
             <a:endParaRPr kumimoji="1" lang="ja-JP" altLang="en-US"/>
           </a:p>
@@ -2354,7 +2356,7 @@
           <a:p>
             <a:fld id="{D52A487C-E05D-4895-A746-7CA87EF550E2}" type="datetime1">
               <a:rPr kumimoji="1" lang="ja-JP" altLang="en-US" smtClean="0"/>
-              <a:t>2025/11/10</a:t>
+              <a:t>2025/12/12</a:t>
             </a:fld>
             <a:endParaRPr kumimoji="1" lang="ja-JP" altLang="en-US"/>
           </a:p>
@@ -2449,7 +2451,7 @@
           <a:p>
             <a:fld id="{27E17EAD-393E-4F5D-BFA4-B22D55554D17}" type="datetime1">
               <a:rPr kumimoji="1" lang="ja-JP" altLang="en-US" smtClean="0"/>
-              <a:t>2025/11/10</a:t>
+              <a:t>2025/12/12</a:t>
             </a:fld>
             <a:endParaRPr kumimoji="1" lang="ja-JP" altLang="en-US"/>
           </a:p>
@@ -2758,7 +2760,7 @@
           <a:p>
             <a:fld id="{DC7A46F4-8C80-48CD-A73F-0ADECB3892DD}" type="datetime1">
               <a:rPr kumimoji="1" lang="ja-JP" altLang="en-US" smtClean="0"/>
-              <a:t>2025/11/10</a:t>
+              <a:t>2025/12/12</a:t>
             </a:fld>
             <a:endParaRPr kumimoji="1" lang="ja-JP" altLang="en-US"/>
           </a:p>
@@ -3015,7 +3017,7 @@
           <a:p>
             <a:fld id="{DBB0E01C-96F7-429E-B472-A892CF52411F}" type="datetime1">
               <a:rPr kumimoji="1" lang="ja-JP" altLang="en-US" smtClean="0"/>
-              <a:t>2025/11/10</a:t>
+              <a:t>2025/12/12</a:t>
             </a:fld>
             <a:endParaRPr kumimoji="1" lang="ja-JP" altLang="en-US"/>
           </a:p>
@@ -3260,7 +3262,7 @@
           <a:p>
             <a:fld id="{F764C2A6-EAC4-46F8-8E38-A0B08F8BF3FA}" type="datetime1">
               <a:rPr kumimoji="1" lang="ja-JP" altLang="en-US" smtClean="0"/>
-              <a:t>2025/11/10</a:t>
+              <a:t>2025/12/12</a:t>
             </a:fld>
             <a:endParaRPr kumimoji="1" lang="ja-JP" altLang="en-US"/>
           </a:p>
@@ -3793,6 +3795,371 @@
           <p:cNvPr id="2" name="タイトル 1">
             <a:extLst>
               <a:ext uri="{FF2B5EF4-FFF2-40B4-BE49-F238E27FC236}">
+                <a16:creationId xmlns:a16="http://schemas.microsoft.com/office/drawing/2014/main" id="{9796D313-238E-5BF1-FCB1-2E8D20A5191A}"/>
+              </a:ext>
+            </a:extLst>
+          </p:cNvPr>
+          <p:cNvSpPr>
+            <a:spLocks noGrp="1"/>
+          </p:cNvSpPr>
+          <p:nvPr>
+            <p:ph type="title"/>
+          </p:nvPr>
+        </p:nvSpPr>
+        <p:spPr>
+          <a:xfrm>
+            <a:off x="628650" y="178484"/>
+            <a:ext cx="7886700" cy="1325563"/>
+          </a:xfrm>
+        </p:spPr>
+        <p:txBody>
+          <a:bodyPr/>
+          <a:lstStyle/>
+          <a:p>
+            <a:r>
+              <a:rPr kumimoji="1" lang="en-US" altLang="ja-JP" dirty="0"/>
+              <a:t>DAC</a:t>
+            </a:r>
+            <a:r>
+              <a:rPr kumimoji="1" lang="ja-JP" altLang="en-US" dirty="0"/>
+              <a:t>出力の確認</a:t>
+            </a:r>
+          </a:p>
+        </p:txBody>
+      </p:sp>
+      <p:pic>
+        <p:nvPicPr>
+          <p:cNvPr id="5" name="図 4">
+            <a:extLst>
+              <a:ext uri="{FF2B5EF4-FFF2-40B4-BE49-F238E27FC236}">
+                <a16:creationId xmlns:a16="http://schemas.microsoft.com/office/drawing/2014/main" id="{43052A03-38F5-8867-0CD8-03E082FDA877}"/>
+              </a:ext>
+            </a:extLst>
+          </p:cNvPr>
+          <p:cNvPicPr>
+            <a:picLocks noChangeAspect="1"/>
+          </p:cNvPicPr>
+          <p:nvPr/>
+        </p:nvPicPr>
+        <p:blipFill>
+          <a:blip r:embed="rId2"/>
+          <a:stretch>
+            <a:fillRect/>
+          </a:stretch>
+        </p:blipFill>
+        <p:spPr>
+          <a:xfrm>
+            <a:off x="1424762" y="1270212"/>
+            <a:ext cx="6294475" cy="4563075"/>
+          </a:xfrm>
+          <a:prstGeom prst="rect">
+            <a:avLst/>
+          </a:prstGeom>
+        </p:spPr>
+      </p:pic>
+      <p:sp>
+        <p:nvSpPr>
+          <p:cNvPr id="3" name="スライド番号プレースホルダー 2">
+            <a:extLst>
+              <a:ext uri="{FF2B5EF4-FFF2-40B4-BE49-F238E27FC236}">
+                <a16:creationId xmlns:a16="http://schemas.microsoft.com/office/drawing/2014/main" id="{0A4D8341-4C5E-F48E-2059-0BCFF1B1B27D}"/>
+              </a:ext>
+            </a:extLst>
+          </p:cNvPr>
+          <p:cNvSpPr>
+            <a:spLocks noGrp="1"/>
+          </p:cNvSpPr>
+          <p:nvPr>
+            <p:ph type="sldNum" sz="quarter" idx="12"/>
+          </p:nvPr>
+        </p:nvSpPr>
+        <p:spPr/>
+        <p:txBody>
+          <a:bodyPr/>
+          <a:lstStyle/>
+          <a:p>
+            <a:fld id="{7067EBB7-56E9-4EC2-9C19-58F9D49578C9}" type="slidenum">
+              <a:rPr kumimoji="1" lang="ja-JP" altLang="en-US" smtClean="0"/>
+              <a:t>10</a:t>
+            </a:fld>
+            <a:endParaRPr kumimoji="1" lang="ja-JP" altLang="en-US"/>
+          </a:p>
+        </p:txBody>
+      </p:sp>
+      <p:sp>
+        <p:nvSpPr>
+          <p:cNvPr id="4" name="テキスト ボックス 3">
+            <a:extLst>
+              <a:ext uri="{FF2B5EF4-FFF2-40B4-BE49-F238E27FC236}">
+                <a16:creationId xmlns:a16="http://schemas.microsoft.com/office/drawing/2014/main" id="{5775D800-35C4-0BBB-B7F6-63D006892E91}"/>
+              </a:ext>
+            </a:extLst>
+          </p:cNvPr>
+          <p:cNvSpPr txBox="1"/>
+          <p:nvPr/>
+        </p:nvSpPr>
+        <p:spPr>
+          <a:xfrm>
+            <a:off x="2030818" y="6033185"/>
+            <a:ext cx="4784651" cy="646331"/>
+          </a:xfrm>
+          <a:prstGeom prst="rect">
+            <a:avLst/>
+          </a:prstGeom>
+          <a:noFill/>
+        </p:spPr>
+        <p:txBody>
+          <a:bodyPr wrap="square" rtlCol="0">
+            <a:spAutoFit/>
+          </a:bodyPr>
+          <a:lstStyle/>
+          <a:p>
+            <a:r>
+              <a:rPr kumimoji="1" lang="ja-JP" altLang="en-US" dirty="0"/>
+              <a:t>オフセット誤差：</a:t>
+            </a:r>
+            <a:r>
+              <a:rPr kumimoji="1" lang="en-US" altLang="ja-JP" dirty="0"/>
+              <a:t>-0.0524%</a:t>
+            </a:r>
+          </a:p>
+          <a:p>
+            <a:r>
+              <a:rPr kumimoji="1" lang="ja-JP" altLang="en-US" dirty="0"/>
+              <a:t>ゲイン誤差：</a:t>
+            </a:r>
+            <a:r>
+              <a:rPr kumimoji="1" lang="en-US" altLang="ja-JP" dirty="0"/>
+              <a:t>0.0692%</a:t>
+            </a:r>
+          </a:p>
+        </p:txBody>
+      </p:sp>
+    </p:spTree>
+    <p:extLst>
+      <p:ext uri="{BB962C8B-B14F-4D97-AF65-F5344CB8AC3E}">
+        <p14:creationId xmlns:p14="http://schemas.microsoft.com/office/powerpoint/2010/main" val="523695254"/>
+      </p:ext>
+    </p:extLst>
+  </p:cSld>
+  <p:clrMapOvr>
+    <a:masterClrMapping/>
+  </p:clrMapOvr>
+</p:sld>
+</file>
+
+<file path=ppt/slides/slide11.xml><?xml version="1.0" encoding="utf-8"?>
+<p:sld xmlns:a="http://schemas.openxmlformats.org/drawingml/2006/main" xmlns:r="http://schemas.openxmlformats.org/officeDocument/2006/relationships" xmlns:p="http://schemas.openxmlformats.org/presentationml/2006/main">
+  <p:cSld>
+    <p:spTree>
+      <p:nvGrpSpPr>
+        <p:cNvPr id="1" name=""/>
+        <p:cNvGrpSpPr/>
+        <p:nvPr/>
+      </p:nvGrpSpPr>
+      <p:grpSpPr>
+        <a:xfrm>
+          <a:off x="0" y="0"/>
+          <a:ext cx="0" cy="0"/>
+          <a:chOff x="0" y="0"/>
+          <a:chExt cx="0" cy="0"/>
+        </a:xfrm>
+      </p:grpSpPr>
+      <p:sp>
+        <p:nvSpPr>
+          <p:cNvPr id="2" name="タイトル 1">
+            <a:extLst>
+              <a:ext uri="{FF2B5EF4-FFF2-40B4-BE49-F238E27FC236}">
+                <a16:creationId xmlns:a16="http://schemas.microsoft.com/office/drawing/2014/main" id="{F42B8CA0-F683-A0C3-11CF-F03788D3ADD3}"/>
+              </a:ext>
+            </a:extLst>
+          </p:cNvPr>
+          <p:cNvSpPr>
+            <a:spLocks noGrp="1"/>
+          </p:cNvSpPr>
+          <p:nvPr>
+            <p:ph type="title"/>
+          </p:nvPr>
+        </p:nvSpPr>
+        <p:spPr>
+          <a:xfrm>
+            <a:off x="477136" y="136524"/>
+            <a:ext cx="7886700" cy="1325563"/>
+          </a:xfrm>
+        </p:spPr>
+        <p:txBody>
+          <a:bodyPr/>
+          <a:lstStyle/>
+          <a:p>
+            <a:r>
+              <a:rPr kumimoji="1" lang="ja-JP" altLang="en-US" dirty="0"/>
+              <a:t>消費電流</a:t>
+            </a:r>
+          </a:p>
+        </p:txBody>
+      </p:sp>
+      <p:pic>
+        <p:nvPicPr>
+          <p:cNvPr id="8" name="図 7">
+            <a:extLst>
+              <a:ext uri="{FF2B5EF4-FFF2-40B4-BE49-F238E27FC236}">
+                <a16:creationId xmlns:a16="http://schemas.microsoft.com/office/drawing/2014/main" id="{835CE33F-3B51-D65B-C41E-2493B3D0927C}"/>
+              </a:ext>
+            </a:extLst>
+          </p:cNvPr>
+          <p:cNvPicPr>
+            <a:picLocks noChangeAspect="1"/>
+          </p:cNvPicPr>
+          <p:nvPr/>
+        </p:nvPicPr>
+        <p:blipFill>
+          <a:blip r:embed="rId2"/>
+          <a:stretch>
+            <a:fillRect/>
+          </a:stretch>
+        </p:blipFill>
+        <p:spPr>
+          <a:xfrm>
+            <a:off x="951614" y="1383304"/>
+            <a:ext cx="6937745" cy="4470579"/>
+          </a:xfrm>
+          <a:prstGeom prst="rect">
+            <a:avLst/>
+          </a:prstGeom>
+        </p:spPr>
+      </p:pic>
+      <p:sp>
+        <p:nvSpPr>
+          <p:cNvPr id="3" name="スライド番号プレースホルダー 2">
+            <a:extLst>
+              <a:ext uri="{FF2B5EF4-FFF2-40B4-BE49-F238E27FC236}">
+                <a16:creationId xmlns:a16="http://schemas.microsoft.com/office/drawing/2014/main" id="{F56AFB60-58BD-7F06-C0A6-5340656EF1A3}"/>
+              </a:ext>
+            </a:extLst>
+          </p:cNvPr>
+          <p:cNvSpPr>
+            <a:spLocks noGrp="1"/>
+          </p:cNvSpPr>
+          <p:nvPr>
+            <p:ph type="sldNum" sz="quarter" idx="12"/>
+          </p:nvPr>
+        </p:nvSpPr>
+        <p:spPr/>
+        <p:txBody>
+          <a:bodyPr/>
+          <a:lstStyle/>
+          <a:p>
+            <a:fld id="{7067EBB7-56E9-4EC2-9C19-58F9D49578C9}" type="slidenum">
+              <a:rPr kumimoji="1" lang="ja-JP" altLang="en-US" smtClean="0"/>
+              <a:t>11</a:t>
+            </a:fld>
+            <a:endParaRPr kumimoji="1" lang="ja-JP" altLang="en-US"/>
+          </a:p>
+        </p:txBody>
+      </p:sp>
+      <p:sp>
+        <p:nvSpPr>
+          <p:cNvPr id="4" name="テキスト ボックス 3">
+            <a:extLst>
+              <a:ext uri="{FF2B5EF4-FFF2-40B4-BE49-F238E27FC236}">
+                <a16:creationId xmlns:a16="http://schemas.microsoft.com/office/drawing/2014/main" id="{7137062A-BB57-CB4A-FEE1-7B2880DB2F4F}"/>
+              </a:ext>
+            </a:extLst>
+          </p:cNvPr>
+          <p:cNvSpPr txBox="1"/>
+          <p:nvPr/>
+        </p:nvSpPr>
+        <p:spPr>
+          <a:xfrm>
+            <a:off x="1892595" y="6082393"/>
+            <a:ext cx="6124354" cy="646331"/>
+          </a:xfrm>
+          <a:prstGeom prst="rect">
+            <a:avLst/>
+          </a:prstGeom>
+          <a:noFill/>
+        </p:spPr>
+        <p:txBody>
+          <a:bodyPr wrap="square" rtlCol="0">
+            <a:spAutoFit/>
+          </a:bodyPr>
+          <a:lstStyle/>
+          <a:p>
+            <a:r>
+              <a:rPr kumimoji="1" lang="ja-JP" altLang="en-US" dirty="0"/>
+              <a:t>デジタル入力</a:t>
+            </a:r>
+            <a:r>
+              <a:rPr kumimoji="1" lang="en-US" altLang="ja-JP" dirty="0">
+                <a:latin typeface="Meiryo UI" pitchFamily="50" charset="-128"/>
+                <a:ea typeface="Meiryo UI" pitchFamily="50" charset="-128"/>
+              </a:rPr>
+              <a:t>VIN=</a:t>
+            </a:r>
+            <a:r>
+              <a:rPr kumimoji="1" lang="en-US" altLang="ja-JP" dirty="0" err="1">
+                <a:latin typeface="Meiryo UI" pitchFamily="50" charset="-128"/>
+                <a:ea typeface="Meiryo UI" pitchFamily="50" charset="-128"/>
+              </a:rPr>
+              <a:t>xfff</a:t>
+            </a:r>
+            <a:r>
+              <a:rPr kumimoji="1" lang="en-US" altLang="ja-JP" dirty="0">
+                <a:latin typeface="Meiryo UI" pitchFamily="50" charset="-128"/>
+                <a:ea typeface="Meiryo UI" pitchFamily="50" charset="-128"/>
+              </a:rPr>
+              <a:t>, PD=VIH, f=10MHz*</a:t>
+            </a:r>
+            <a:endParaRPr kumimoji="1" lang="en-US" altLang="ja-JP" dirty="0"/>
+          </a:p>
+          <a:p>
+            <a:r>
+              <a:rPr kumimoji="1" lang="ja-JP" altLang="en-US" dirty="0"/>
+              <a:t>平均電流：</a:t>
+            </a:r>
+            <a:r>
+              <a:rPr kumimoji="1" lang="en-US" altLang="ja-JP" dirty="0"/>
+              <a:t>261.14uA</a:t>
+            </a:r>
+            <a:endParaRPr kumimoji="1" lang="ja-JP" altLang="en-US" dirty="0"/>
+          </a:p>
+        </p:txBody>
+      </p:sp>
+    </p:spTree>
+    <p:extLst>
+      <p:ext uri="{BB962C8B-B14F-4D97-AF65-F5344CB8AC3E}">
+        <p14:creationId xmlns:p14="http://schemas.microsoft.com/office/powerpoint/2010/main" val="705496753"/>
+      </p:ext>
+    </p:extLst>
+  </p:cSld>
+  <p:clrMapOvr>
+    <a:masterClrMapping/>
+  </p:clrMapOvr>
+</p:sld>
+</file>
+
+<file path=ppt/slides/slide12.xml><?xml version="1.0" encoding="utf-8"?>
+<p:sld xmlns:a="http://schemas.openxmlformats.org/drawingml/2006/main" xmlns:r="http://schemas.openxmlformats.org/officeDocument/2006/relationships" xmlns:p="http://schemas.openxmlformats.org/presentationml/2006/main">
+  <p:cSld>
+    <p:spTree>
+      <p:nvGrpSpPr>
+        <p:cNvPr id="1" name=""/>
+        <p:cNvGrpSpPr/>
+        <p:nvPr/>
+      </p:nvGrpSpPr>
+      <p:grpSpPr>
+        <a:xfrm>
+          <a:off x="0" y="0"/>
+          <a:ext cx="0" cy="0"/>
+          <a:chOff x="0" y="0"/>
+          <a:chExt cx="0" cy="0"/>
+        </a:xfrm>
+      </p:grpSpPr>
+      <p:sp>
+        <p:nvSpPr>
+          <p:cNvPr id="2" name="タイトル 1">
+            <a:extLst>
+              <a:ext uri="{FF2B5EF4-FFF2-40B4-BE49-F238E27FC236}">
                 <a16:creationId xmlns:a16="http://schemas.microsoft.com/office/drawing/2014/main" id="{FE4B29EF-A380-92A0-DC09-5A3E6DF7B2B1}"/>
               </a:ext>
             </a:extLst>
@@ -3851,7 +4218,7 @@
           <a:p>
             <a:fld id="{7067EBB7-56E9-4EC2-9C19-58F9D49578C9}" type="slidenum">
               <a:rPr kumimoji="1" lang="ja-JP" altLang="en-US" smtClean="0"/>
-              <a:t>10</a:t>
+              <a:t>12</a:t>
             </a:fld>
             <a:endParaRPr kumimoji="1" lang="ja-JP" altLang="en-US"/>
           </a:p>
@@ -3900,7 +4267,7 @@
 </p:sld>
 </file>
 
-<file path=ppt/slides/slide11.xml><?xml version="1.0" encoding="utf-8"?>
+<file path=ppt/slides/slide13.xml><?xml version="1.0" encoding="utf-8"?>
 <p:sld xmlns:a="http://schemas.openxmlformats.org/drawingml/2006/main" xmlns:r="http://schemas.openxmlformats.org/officeDocument/2006/relationships" xmlns:p="http://schemas.openxmlformats.org/presentationml/2006/main">
   <p:cSld>
     <p:spTree>
@@ -3972,7 +4339,7 @@
           <a:p>
             <a:fld id="{7067EBB7-56E9-4EC2-9C19-58F9D49578C9}" type="slidenum">
               <a:rPr kumimoji="1" lang="ja-JP" altLang="en-US" smtClean="0"/>
-              <a:t>11</a:t>
+              <a:t>13</a:t>
             </a:fld>
             <a:endParaRPr kumimoji="1" lang="ja-JP" altLang="en-US"/>
           </a:p>
@@ -4021,7 +4388,7 @@
 </p:sld>
 </file>
 
-<file path=ppt/slides/slide12.xml><?xml version="1.0" encoding="utf-8"?>
+<file path=ppt/slides/slide14.xml><?xml version="1.0" encoding="utf-8"?>
 <p:sld xmlns:a="http://schemas.openxmlformats.org/drawingml/2006/main" xmlns:r="http://schemas.openxmlformats.org/officeDocument/2006/relationships" xmlns:p="http://schemas.openxmlformats.org/presentationml/2006/main">
   <p:cSld>
     <p:spTree>
@@ -4131,7 +4498,7 @@
           <a:p>
             <a:fld id="{7067EBB7-56E9-4EC2-9C19-58F9D49578C9}" type="slidenum">
               <a:rPr kumimoji="1" lang="ja-JP" altLang="en-US" smtClean="0"/>
-              <a:t>12</a:t>
+              <a:t>14</a:t>
             </a:fld>
             <a:endParaRPr kumimoji="1" lang="ja-JP" altLang="en-US"/>
           </a:p>
@@ -4237,7 +4604,7 @@
 </p:sld>
 </file>
 
-<file path=ppt/slides/slide13.xml><?xml version="1.0" encoding="utf-8"?>
+<file path=ppt/slides/slide15.xml><?xml version="1.0" encoding="utf-8"?>
 <p:sld xmlns:a="http://schemas.openxmlformats.org/drawingml/2006/main" xmlns:r="http://schemas.openxmlformats.org/officeDocument/2006/relationships" xmlns:p="http://schemas.openxmlformats.org/presentationml/2006/main">
   <p:cSld>
     <p:spTree>
@@ -4581,7 +4948,7 @@
 </p:sld>
 </file>
 
-<file path=ppt/slides/slide14.xml><?xml version="1.0" encoding="utf-8"?>
+<file path=ppt/slides/slide16.xml><?xml version="1.0" encoding="utf-8"?>
 <p:sld xmlns:a="http://schemas.openxmlformats.org/drawingml/2006/main" xmlns:r="http://schemas.openxmlformats.org/officeDocument/2006/relationships" xmlns:p="http://schemas.openxmlformats.org/presentationml/2006/main">
   <p:cSld>
     <p:spTree>
@@ -4676,7 +5043,7 @@
           <a:p>
             <a:fld id="{7067EBB7-56E9-4EC2-9C19-58F9D49578C9}" type="slidenum">
               <a:rPr kumimoji="1" lang="ja-JP" altLang="en-US" smtClean="0"/>
-              <a:t>14</a:t>
+              <a:t>16</a:t>
             </a:fld>
             <a:endParaRPr kumimoji="1" lang="ja-JP" altLang="en-US"/>
           </a:p>
@@ -4725,7 +5092,7 @@
 </p:sld>
 </file>
 
-<file path=ppt/slides/slide15.xml><?xml version="1.0" encoding="utf-8"?>
+<file path=ppt/slides/slide17.xml><?xml version="1.0" encoding="utf-8"?>
 <p:sld xmlns:a="http://schemas.openxmlformats.org/drawingml/2006/main" xmlns:r="http://schemas.openxmlformats.org/officeDocument/2006/relationships" xmlns:p="http://schemas.openxmlformats.org/presentationml/2006/main">
   <p:cSld>
     <p:spTree>
@@ -4827,7 +5194,7 @@
           <a:p>
             <a:fld id="{7067EBB7-56E9-4EC2-9C19-58F9D49578C9}" type="slidenum">
               <a:rPr kumimoji="1" lang="ja-JP" altLang="en-US" smtClean="0"/>
-              <a:t>15</a:t>
+              <a:t>17</a:t>
             </a:fld>
             <a:endParaRPr kumimoji="1" lang="ja-JP" altLang="en-US"/>
           </a:p>
@@ -4846,7 +5213,7 @@
 </p:sld>
 </file>
 
-<file path=ppt/slides/slide16.xml><?xml version="1.0" encoding="utf-8"?>
+<file path=ppt/slides/slide18.xml><?xml version="1.0" encoding="utf-8"?>
 <p:sld xmlns:a="http://schemas.openxmlformats.org/drawingml/2006/main" xmlns:r="http://schemas.openxmlformats.org/officeDocument/2006/relationships" xmlns:p="http://schemas.openxmlformats.org/presentationml/2006/main">
   <p:cSld>
     <p:spTree>
@@ -4957,7 +5324,7 @@
           <a:p>
             <a:fld id="{7067EBB7-56E9-4EC2-9C19-58F9D49578C9}" type="slidenum">
               <a:rPr kumimoji="1" lang="ja-JP" altLang="en-US" smtClean="0"/>
-              <a:t>16</a:t>
+              <a:t>18</a:t>
             </a:fld>
             <a:endParaRPr kumimoji="1" lang="ja-JP" altLang="en-US"/>
           </a:p>
@@ -5032,7 +5399,7 @@
 </p:sld>
 </file>
 
-<file path=ppt/slides/slide17.xml><?xml version="1.0" encoding="utf-8"?>
+<file path=ppt/slides/slide19.xml><?xml version="1.0" encoding="utf-8"?>
 <p:sld xmlns:a="http://schemas.openxmlformats.org/drawingml/2006/main" xmlns:r="http://schemas.openxmlformats.org/officeDocument/2006/relationships" xmlns:p="http://schemas.openxmlformats.org/presentationml/2006/main">
   <p:cSld>
     <p:spTree>
@@ -5110,7 +5477,7 @@
           <a:p>
             <a:fld id="{7067EBB7-56E9-4EC2-9C19-58F9D49578C9}" type="slidenum">
               <a:rPr kumimoji="1" lang="ja-JP" altLang="en-US" smtClean="0"/>
-              <a:t>17</a:t>
+              <a:t>19</a:t>
             </a:fld>
             <a:endParaRPr kumimoji="1" lang="ja-JP" altLang="en-US"/>
           </a:p>
@@ -5274,7 +5641,133 @@
 </p:sld>
 </file>
 
-<file path=ppt/slides/slide18.xml><?xml version="1.0" encoding="utf-8"?>
+<file path=ppt/slides/slide2.xml><?xml version="1.0" encoding="utf-8"?>
+<p:sld xmlns:a="http://schemas.openxmlformats.org/drawingml/2006/main" xmlns:r="http://schemas.openxmlformats.org/officeDocument/2006/relationships" xmlns:p="http://schemas.openxmlformats.org/presentationml/2006/main">
+  <p:cSld>
+    <p:spTree>
+      <p:nvGrpSpPr>
+        <p:cNvPr id="1" name=""/>
+        <p:cNvGrpSpPr/>
+        <p:nvPr/>
+      </p:nvGrpSpPr>
+      <p:grpSpPr>
+        <a:xfrm>
+          <a:off x="0" y="0"/>
+          <a:ext cx="0" cy="0"/>
+          <a:chOff x="0" y="0"/>
+          <a:chExt cx="0" cy="0"/>
+        </a:xfrm>
+      </p:grpSpPr>
+      <p:sp>
+        <p:nvSpPr>
+          <p:cNvPr id="2" name="タイトル 1">
+            <a:extLst>
+              <a:ext uri="{FF2B5EF4-FFF2-40B4-BE49-F238E27FC236}">
+                <a16:creationId xmlns:a16="http://schemas.microsoft.com/office/drawing/2014/main" id="{F5A60B85-CCA2-DBB6-991F-05FFC714AD59}"/>
+              </a:ext>
+            </a:extLst>
+          </p:cNvPr>
+          <p:cNvSpPr>
+            <a:spLocks noGrp="1"/>
+          </p:cNvSpPr>
+          <p:nvPr>
+            <p:ph type="title"/>
+          </p:nvPr>
+        </p:nvSpPr>
+        <p:spPr/>
+        <p:txBody>
+          <a:bodyPr/>
+          <a:lstStyle/>
+          <a:p>
+            <a:r>
+              <a:rPr kumimoji="1" lang="ja-JP" altLang="en-US" dirty="0"/>
+              <a:t>進捗</a:t>
+            </a:r>
+          </a:p>
+        </p:txBody>
+      </p:sp>
+      <p:sp>
+        <p:nvSpPr>
+          <p:cNvPr id="3" name="コンテンツ プレースホルダー 2">
+            <a:extLst>
+              <a:ext uri="{FF2B5EF4-FFF2-40B4-BE49-F238E27FC236}">
+                <a16:creationId xmlns:a16="http://schemas.microsoft.com/office/drawing/2014/main" id="{76149D80-297F-79EF-ADD1-F63B56869247}"/>
+              </a:ext>
+            </a:extLst>
+          </p:cNvPr>
+          <p:cNvSpPr>
+            <a:spLocks noGrp="1"/>
+          </p:cNvSpPr>
+          <p:nvPr>
+            <p:ph idx="1"/>
+          </p:nvPr>
+        </p:nvSpPr>
+        <p:spPr/>
+        <p:txBody>
+          <a:bodyPr/>
+          <a:lstStyle/>
+          <a:p>
+            <a:r>
+              <a:rPr lang="en-US" altLang="ja-JP" dirty="0"/>
+              <a:t>DAC</a:t>
+            </a:r>
+            <a:r>
+              <a:rPr lang="ja-JP" altLang="en-US" dirty="0"/>
+              <a:t>の改良（ほとんど完成）</a:t>
+            </a:r>
+            <a:endParaRPr lang="en-US" altLang="ja-JP" dirty="0"/>
+          </a:p>
+          <a:p>
+            <a:r>
+              <a:rPr kumimoji="1" lang="ja-JP" altLang="en-US" dirty="0"/>
+              <a:t>ボルテージフォロワの改良（未完）</a:t>
+            </a:r>
+          </a:p>
+        </p:txBody>
+      </p:sp>
+      <p:sp>
+        <p:nvSpPr>
+          <p:cNvPr id="4" name="スライド番号プレースホルダー 3">
+            <a:extLst>
+              <a:ext uri="{FF2B5EF4-FFF2-40B4-BE49-F238E27FC236}">
+                <a16:creationId xmlns:a16="http://schemas.microsoft.com/office/drawing/2014/main" id="{EE6E5D2E-D626-89FB-A722-4C6E587EF6B1}"/>
+              </a:ext>
+            </a:extLst>
+          </p:cNvPr>
+          <p:cNvSpPr>
+            <a:spLocks noGrp="1"/>
+          </p:cNvSpPr>
+          <p:nvPr>
+            <p:ph type="sldNum" sz="quarter" idx="12"/>
+          </p:nvPr>
+        </p:nvSpPr>
+        <p:spPr/>
+        <p:txBody>
+          <a:bodyPr/>
+          <a:lstStyle/>
+          <a:p>
+            <a:fld id="{7067EBB7-56E9-4EC2-9C19-58F9D49578C9}" type="slidenum">
+              <a:rPr kumimoji="1" lang="ja-JP" altLang="en-US" smtClean="0"/>
+              <a:t>2</a:t>
+            </a:fld>
+            <a:endParaRPr kumimoji="1" lang="ja-JP" altLang="en-US"/>
+          </a:p>
+        </p:txBody>
+      </p:sp>
+    </p:spTree>
+    <p:extLst>
+      <p:ext uri="{BB962C8B-B14F-4D97-AF65-F5344CB8AC3E}">
+        <p14:creationId xmlns:p14="http://schemas.microsoft.com/office/powerpoint/2010/main" val="3119875403"/>
+      </p:ext>
+    </p:extLst>
+  </p:cSld>
+  <p:clrMapOvr>
+    <a:masterClrMapping/>
+  </p:clrMapOvr>
+</p:sld>
+</file>
+
+<file path=ppt/slides/slide20.xml><?xml version="1.0" encoding="utf-8"?>
 <p:sld xmlns:a="http://schemas.openxmlformats.org/drawingml/2006/main" xmlns:r="http://schemas.openxmlformats.org/officeDocument/2006/relationships" xmlns:p="http://schemas.openxmlformats.org/presentationml/2006/main">
   <p:cSld>
     <p:spTree>
@@ -5343,7 +5836,7 @@
           <a:p>
             <a:fld id="{7067EBB7-56E9-4EC2-9C19-58F9D49578C9}" type="slidenum">
               <a:rPr kumimoji="1" lang="ja-JP" altLang="en-US" smtClean="0"/>
-              <a:t>18</a:t>
+              <a:t>20</a:t>
             </a:fld>
             <a:endParaRPr kumimoji="1" lang="ja-JP" altLang="en-US"/>
           </a:p>
@@ -5436,7 +5929,7 @@
 </p:sld>
 </file>
 
-<file path=ppt/slides/slide19.xml><?xml version="1.0" encoding="utf-8"?>
+<file path=ppt/slides/slide21.xml><?xml version="1.0" encoding="utf-8"?>
 <p:sld xmlns:a="http://schemas.openxmlformats.org/drawingml/2006/main" xmlns:r="http://schemas.openxmlformats.org/officeDocument/2006/relationships" xmlns:p="http://schemas.openxmlformats.org/presentationml/2006/main">
   <p:cSld>
     <p:spTree>
@@ -5550,7 +6043,7 @@
           <a:p>
             <a:fld id="{7067EBB7-56E9-4EC2-9C19-58F9D49578C9}" type="slidenum">
               <a:rPr kumimoji="1" lang="ja-JP" altLang="en-US" smtClean="0"/>
-              <a:t>19</a:t>
+              <a:t>21</a:t>
             </a:fld>
             <a:endParaRPr kumimoji="1" lang="ja-JP" altLang="en-US"/>
           </a:p>
@@ -5569,133 +6062,7 @@
 </p:sld>
 </file>
 
-<file path=ppt/slides/slide2.xml><?xml version="1.0" encoding="utf-8"?>
-<p:sld xmlns:a="http://schemas.openxmlformats.org/drawingml/2006/main" xmlns:r="http://schemas.openxmlformats.org/officeDocument/2006/relationships" xmlns:p="http://schemas.openxmlformats.org/presentationml/2006/main">
-  <p:cSld>
-    <p:spTree>
-      <p:nvGrpSpPr>
-        <p:cNvPr id="1" name=""/>
-        <p:cNvGrpSpPr/>
-        <p:nvPr/>
-      </p:nvGrpSpPr>
-      <p:grpSpPr>
-        <a:xfrm>
-          <a:off x="0" y="0"/>
-          <a:ext cx="0" cy="0"/>
-          <a:chOff x="0" y="0"/>
-          <a:chExt cx="0" cy="0"/>
-        </a:xfrm>
-      </p:grpSpPr>
-      <p:sp>
-        <p:nvSpPr>
-          <p:cNvPr id="2" name="タイトル 1">
-            <a:extLst>
-              <a:ext uri="{FF2B5EF4-FFF2-40B4-BE49-F238E27FC236}">
-                <a16:creationId xmlns:a16="http://schemas.microsoft.com/office/drawing/2014/main" id="{F5A60B85-CCA2-DBB6-991F-05FFC714AD59}"/>
-              </a:ext>
-            </a:extLst>
-          </p:cNvPr>
-          <p:cNvSpPr>
-            <a:spLocks noGrp="1"/>
-          </p:cNvSpPr>
-          <p:nvPr>
-            <p:ph type="title"/>
-          </p:nvPr>
-        </p:nvSpPr>
-        <p:spPr/>
-        <p:txBody>
-          <a:bodyPr/>
-          <a:lstStyle/>
-          <a:p>
-            <a:r>
-              <a:rPr kumimoji="1" lang="ja-JP" altLang="en-US" dirty="0"/>
-              <a:t>進捗</a:t>
-            </a:r>
-          </a:p>
-        </p:txBody>
-      </p:sp>
-      <p:sp>
-        <p:nvSpPr>
-          <p:cNvPr id="3" name="コンテンツ プレースホルダー 2">
-            <a:extLst>
-              <a:ext uri="{FF2B5EF4-FFF2-40B4-BE49-F238E27FC236}">
-                <a16:creationId xmlns:a16="http://schemas.microsoft.com/office/drawing/2014/main" id="{76149D80-297F-79EF-ADD1-F63B56869247}"/>
-              </a:ext>
-            </a:extLst>
-          </p:cNvPr>
-          <p:cNvSpPr>
-            <a:spLocks noGrp="1"/>
-          </p:cNvSpPr>
-          <p:nvPr>
-            <p:ph idx="1"/>
-          </p:nvPr>
-        </p:nvSpPr>
-        <p:spPr/>
-        <p:txBody>
-          <a:bodyPr/>
-          <a:lstStyle/>
-          <a:p>
-            <a:r>
-              <a:rPr lang="en-US" altLang="ja-JP" dirty="0"/>
-              <a:t>DAC</a:t>
-            </a:r>
-            <a:r>
-              <a:rPr lang="ja-JP" altLang="en-US" dirty="0"/>
-              <a:t>の改良（ほとんど完成）</a:t>
-            </a:r>
-            <a:endParaRPr lang="en-US" altLang="ja-JP" dirty="0"/>
-          </a:p>
-          <a:p>
-            <a:r>
-              <a:rPr kumimoji="1" lang="ja-JP" altLang="en-US" dirty="0"/>
-              <a:t>ボルテージフォロワの改良（未完）</a:t>
-            </a:r>
-          </a:p>
-        </p:txBody>
-      </p:sp>
-      <p:sp>
-        <p:nvSpPr>
-          <p:cNvPr id="4" name="スライド番号プレースホルダー 3">
-            <a:extLst>
-              <a:ext uri="{FF2B5EF4-FFF2-40B4-BE49-F238E27FC236}">
-                <a16:creationId xmlns:a16="http://schemas.microsoft.com/office/drawing/2014/main" id="{EE6E5D2E-D626-89FB-A722-4C6E587EF6B1}"/>
-              </a:ext>
-            </a:extLst>
-          </p:cNvPr>
-          <p:cNvSpPr>
-            <a:spLocks noGrp="1"/>
-          </p:cNvSpPr>
-          <p:nvPr>
-            <p:ph type="sldNum" sz="quarter" idx="12"/>
-          </p:nvPr>
-        </p:nvSpPr>
-        <p:spPr/>
-        <p:txBody>
-          <a:bodyPr/>
-          <a:lstStyle/>
-          <a:p>
-            <a:fld id="{7067EBB7-56E9-4EC2-9C19-58F9D49578C9}" type="slidenum">
-              <a:rPr kumimoji="1" lang="ja-JP" altLang="en-US" smtClean="0"/>
-              <a:t>2</a:t>
-            </a:fld>
-            <a:endParaRPr kumimoji="1" lang="ja-JP" altLang="en-US"/>
-          </a:p>
-        </p:txBody>
-      </p:sp>
-    </p:spTree>
-    <p:extLst>
-      <p:ext uri="{BB962C8B-B14F-4D97-AF65-F5344CB8AC3E}">
-        <p14:creationId xmlns:p14="http://schemas.microsoft.com/office/powerpoint/2010/main" val="3119875403"/>
-      </p:ext>
-    </p:extLst>
-  </p:cSld>
-  <p:clrMapOvr>
-    <a:masterClrMapping/>
-  </p:clrMapOvr>
-</p:sld>
-</file>
-
-<file path=ppt/slides/slide20.xml><?xml version="1.0" encoding="utf-8"?>
+<file path=ppt/slides/slide22.xml><?xml version="1.0" encoding="utf-8"?>
 <p:sld xmlns:a="http://schemas.openxmlformats.org/drawingml/2006/main" xmlns:r="http://schemas.openxmlformats.org/officeDocument/2006/relationships" xmlns:p="http://schemas.openxmlformats.org/presentationml/2006/main">
   <p:cSld>
     <p:spTree>
@@ -5806,7 +6173,7 @@
           <a:p>
             <a:fld id="{7067EBB7-56E9-4EC2-9C19-58F9D49578C9}" type="slidenum">
               <a:rPr kumimoji="1" lang="ja-JP" altLang="en-US" smtClean="0"/>
-              <a:t>20</a:t>
+              <a:t>22</a:t>
             </a:fld>
             <a:endParaRPr kumimoji="1" lang="ja-JP" altLang="en-US"/>
           </a:p>
@@ -5881,7 +6248,7 @@
 </p:sld>
 </file>
 
-<file path=ppt/slides/slide21.xml><?xml version="1.0" encoding="utf-8"?>
+<file path=ppt/slides/slide23.xml><?xml version="1.0" encoding="utf-8"?>
 <p:sld xmlns:a="http://schemas.openxmlformats.org/drawingml/2006/main" xmlns:r="http://schemas.openxmlformats.org/officeDocument/2006/relationships" xmlns:p="http://schemas.openxmlformats.org/presentationml/2006/main">
   <p:cSld>
     <p:spTree>
@@ -9280,14 +9647,14 @@
           <p:nvPr>
             <p:extLst>
               <p:ext uri="{D42A27DB-BD31-4B8C-83A1-F6EECF244321}">
-                <p14:modId xmlns:p14="http://schemas.microsoft.com/office/powerpoint/2010/main" val="3810760511"/>
+                <p14:modId xmlns:p14="http://schemas.microsoft.com/office/powerpoint/2010/main" val="2591168759"/>
               </p:ext>
             </p:extLst>
           </p:nvPr>
         </p:nvGraphicFramePr>
         <p:xfrm>
-          <a:off x="395536" y="285728"/>
-          <a:ext cx="8424936" cy="3313440"/>
+          <a:off x="395536" y="285727"/>
+          <a:ext cx="8676456" cy="3571903"/>
         </p:xfrm>
         <a:graphic>
           <a:graphicData uri="http://schemas.openxmlformats.org/drawingml/2006/table">
@@ -9296,56 +9663,56 @@
                 <a:tableStyleId>{073A0DAA-6AF3-43AB-8588-CEC1D06C72B9}</a:tableStyleId>
               </a:tblPr>
               <a:tblGrid>
-                <a:gridCol w="1429230">
+                <a:gridCol w="1471899">
                   <a:extLst>
                     <a:ext uri="{9D8B030D-6E8A-4147-A177-3AD203B41FA5}">
                       <a16:colId xmlns:a16="http://schemas.microsoft.com/office/drawing/2014/main" val="20000"/>
                     </a:ext>
                   </a:extLst>
                 </a:gridCol>
-                <a:gridCol w="805957">
+                <a:gridCol w="830018">
                   <a:extLst>
                     <a:ext uri="{9D8B030D-6E8A-4147-A177-3AD203B41FA5}">
                       <a16:colId xmlns:a16="http://schemas.microsoft.com/office/drawing/2014/main" val="20001"/>
                     </a:ext>
                   </a:extLst>
                 </a:gridCol>
-                <a:gridCol w="2661357">
+                <a:gridCol w="2740810">
                   <a:extLst>
                     <a:ext uri="{9D8B030D-6E8A-4147-A177-3AD203B41FA5}">
                       <a16:colId xmlns:a16="http://schemas.microsoft.com/office/drawing/2014/main" val="20002"/>
                     </a:ext>
                   </a:extLst>
                 </a:gridCol>
-                <a:gridCol w="144016">
+                <a:gridCol w="148315">
                   <a:extLst>
                     <a:ext uri="{9D8B030D-6E8A-4147-A177-3AD203B41FA5}">
                       <a16:colId xmlns:a16="http://schemas.microsoft.com/office/drawing/2014/main" val="20003"/>
                     </a:ext>
                   </a:extLst>
                 </a:gridCol>
-                <a:gridCol w="768085">
+                <a:gridCol w="791016">
                   <a:extLst>
                     <a:ext uri="{9D8B030D-6E8A-4147-A177-3AD203B41FA5}">
                       <a16:colId xmlns:a16="http://schemas.microsoft.com/office/drawing/2014/main" val="20004"/>
                     </a:ext>
                   </a:extLst>
                 </a:gridCol>
-                <a:gridCol w="912101">
+                <a:gridCol w="1120645">
                   <a:extLst>
                     <a:ext uri="{9D8B030D-6E8A-4147-A177-3AD203B41FA5}">
                       <a16:colId xmlns:a16="http://schemas.microsoft.com/office/drawing/2014/main" val="20005"/>
                     </a:ext>
                   </a:extLst>
                 </a:gridCol>
-                <a:gridCol w="912101">
+                <a:gridCol w="758017">
                   <a:extLst>
                     <a:ext uri="{9D8B030D-6E8A-4147-A177-3AD203B41FA5}">
-                      <a16:colId xmlns:a16="http://schemas.microsoft.com/office/drawing/2014/main" val="20006"/>
+                      <a16:colId xmlns:a16="http://schemas.microsoft.com/office/drawing/2014/main" val="3094175142"/>
                     </a:ext>
                   </a:extLst>
                 </a:gridCol>
-                <a:gridCol w="792089">
+                <a:gridCol w="815736">
                   <a:extLst>
                     <a:ext uri="{9D8B030D-6E8A-4147-A177-3AD203B41FA5}">
                       <a16:colId xmlns:a16="http://schemas.microsoft.com/office/drawing/2014/main" val="20007"/>
@@ -9353,7 +9720,7 @@
                   </a:extLst>
                 </a:gridCol>
               </a:tblGrid>
-              <a:tr h="183317">
+              <a:tr h="260390">
                 <a:tc gridSpan="8">
                   <a:txBody>
                     <a:bodyPr/>
@@ -9651,14 +10018,10 @@
                     <a:bodyPr/>
                     <a:lstStyle/>
                     <a:p>
-                      <a:endParaRPr kumimoji="1" lang="ja-JP" altLang="en-US" sz="1200" b="1" dirty="0">
-                        <a:solidFill>
-                          <a:schemeClr val="tx1"/>
-                        </a:solidFill>
-                      </a:endParaRPr>
+                      <a:endParaRPr kumimoji="1" lang="ja-JP" altLang="en-US"/>
                     </a:p>
                   </a:txBody>
-                  <a:tcPr marL="36000" marR="36000" marT="36000" marB="36000">
+                  <a:tcPr>
                     <a:lnL w="12700" cap="flat" cmpd="sng" algn="ctr">
                       <a:solidFill>
                         <a:schemeClr val="tx1"/>
@@ -9668,42 +10031,6 @@
                       <a:headEnd type="none" w="med" len="med"/>
                       <a:tailEnd type="none" w="med" len="med"/>
                     </a:lnL>
-                    <a:lnR w="12700" cap="flat" cmpd="sng" algn="ctr">
-                      <a:solidFill>
-                        <a:schemeClr val="tx1"/>
-                      </a:solidFill>
-                      <a:prstDash val="solid"/>
-                      <a:round/>
-                      <a:headEnd type="none" w="med" len="med"/>
-                      <a:tailEnd type="none" w="med" len="med"/>
-                    </a:lnR>
-                    <a:lnT w="12700" cap="flat" cmpd="sng" algn="ctr">
-                      <a:solidFill>
-                        <a:schemeClr val="tx1"/>
-                      </a:solidFill>
-                      <a:prstDash val="solid"/>
-                      <a:round/>
-                      <a:headEnd type="none" w="med" len="med"/>
-                      <a:tailEnd type="none" w="med" len="med"/>
-                    </a:lnT>
-                    <a:lnB w="12700" cap="flat" cmpd="sng" algn="ctr">
-                      <a:solidFill>
-                        <a:schemeClr val="tx1"/>
-                      </a:solidFill>
-                      <a:prstDash val="solid"/>
-                      <a:round/>
-                      <a:headEnd type="none" w="med" len="med"/>
-                      <a:tailEnd type="none" w="med" len="med"/>
-                    </a:lnB>
-                    <a:lnTlToBr w="12700" cmpd="sng">
-                      <a:noFill/>
-                      <a:prstDash val="solid"/>
-                    </a:lnTlToBr>
-                    <a:lnBlToTr w="12700" cmpd="sng">
-                      <a:noFill/>
-                      <a:prstDash val="solid"/>
-                    </a:lnBlToTr>
-                    <a:noFill/>
                   </a:tcPr>
                 </a:tc>
                 <a:tc hMerge="1">
@@ -9714,7 +10041,17 @@
                       <a:endParaRPr kumimoji="1" lang="ja-JP" altLang="en-US"/>
                     </a:p>
                   </a:txBody>
-                  <a:tcPr/>
+                  <a:tcPr>
+                    <a:lnL w="12700" cap="flat" cmpd="sng" algn="ctr">
+                      <a:solidFill>
+                        <a:schemeClr val="tx1"/>
+                      </a:solidFill>
+                      <a:prstDash val="solid"/>
+                      <a:round/>
+                      <a:headEnd type="none" w="med" len="med"/>
+                      <a:tailEnd type="none" w="med" len="med"/>
+                    </a:lnL>
+                  </a:tcPr>
                 </a:tc>
                 <a:extLst>
                   <a:ext uri="{0D108BD9-81ED-4DB2-BD59-A6C34878D82A}">
@@ -9722,7 +10059,7 @@
                   </a:ext>
                 </a:extLst>
               </a:tr>
-              <a:tr h="183317">
+              <a:tr h="260390">
                 <a:tc>
                   <a:txBody>
                     <a:bodyPr/>
@@ -10132,7 +10469,7 @@
                     <a:p>
                       <a:pPr algn="ctr"/>
                       <a:r>
-                        <a:rPr kumimoji="1" lang="ja-JP" altLang="en-US" sz="1200" b="0" dirty="0">
+                        <a:rPr kumimoji="1" lang="ja-JP" altLang="en-US" sz="1200" b="0">
                           <a:solidFill>
                             <a:schemeClr val="tx1"/>
                           </a:solidFill>
@@ -10141,6 +10478,13 @@
                         </a:rPr>
                         <a:t>ワースト</a:t>
                       </a:r>
+                      <a:endParaRPr kumimoji="1" lang="ja-JP" altLang="en-US" sz="1200" b="0" dirty="0">
+                        <a:solidFill>
+                          <a:schemeClr val="tx1"/>
+                        </a:solidFill>
+                        <a:latin typeface="Meiryo UI" pitchFamily="50" charset="-128"/>
+                        <a:ea typeface="Meiryo UI" pitchFamily="50" charset="-128"/>
+                      </a:endParaRPr>
                     </a:p>
                   </a:txBody>
                   <a:tcPr marL="36000" marR="36000" marT="36000" marB="36000" anchor="ctr">
@@ -10162,15 +10506,6 @@
                       <a:headEnd type="none" w="med" len="med"/>
                       <a:tailEnd type="none" w="med" len="med"/>
                     </a:lnR>
-                    <a:lnT w="12700" cap="flat" cmpd="sng" algn="ctr">
-                      <a:solidFill>
-                        <a:schemeClr val="tx1"/>
-                      </a:solidFill>
-                      <a:prstDash val="solid"/>
-                      <a:round/>
-                      <a:headEnd type="none" w="med" len="med"/>
-                      <a:tailEnd type="none" w="med" len="med"/>
-                    </a:lnT>
                     <a:lnB w="12700" cap="flat" cmpd="sng" algn="ctr">
                       <a:solidFill>
                         <a:schemeClr val="tx1"/>
@@ -10234,15 +10569,6 @@
                       <a:headEnd type="none" w="med" len="med"/>
                       <a:tailEnd type="none" w="med" len="med"/>
                     </a:lnR>
-                    <a:lnT w="12700" cap="flat" cmpd="sng" algn="ctr">
-                      <a:solidFill>
-                        <a:schemeClr val="tx1"/>
-                      </a:solidFill>
-                      <a:prstDash val="solid"/>
-                      <a:round/>
-                      <a:headEnd type="none" w="med" len="med"/>
-                      <a:tailEnd type="none" w="med" len="med"/>
-                    </a:lnT>
                     <a:lnB w="12700" cap="flat" cmpd="sng" algn="ctr">
                       <a:solidFill>
                         <a:schemeClr val="tx1"/>
@@ -10269,7 +10595,7 @@
                   </a:ext>
                 </a:extLst>
               </a:tr>
-              <a:tr h="249084">
+              <a:tr h="260390">
                 <a:tc>
                   <a:txBody>
                     <a:bodyPr/>
@@ -10833,7 +11159,7 @@
                   </a:ext>
                 </a:extLst>
               </a:tr>
-              <a:tr h="249084">
+              <a:tr h="260390">
                 <a:tc>
                   <a:txBody>
                     <a:bodyPr/>
@@ -11394,7 +11720,7 @@
                   </a:ext>
                 </a:extLst>
               </a:tr>
-              <a:tr h="249084">
+              <a:tr h="260390">
                 <a:tc>
                   <a:txBody>
                     <a:bodyPr/>
@@ -11749,7 +12075,7 @@
                           <a:latin typeface="Meiryo UI" pitchFamily="50" charset="-128"/>
                           <a:ea typeface="Meiryo UI" pitchFamily="50" charset="-128"/>
                         </a:rPr>
-                        <a:t>-0.0524%</a:t>
+                        <a:t>-0.00691%</a:t>
                       </a:r>
                       <a:endParaRPr kumimoji="1" lang="ja-JP" altLang="en-US" sz="1200" b="0" dirty="0">
                         <a:solidFill>
@@ -11948,7 +12274,7 @@
                   </a:ext>
                 </a:extLst>
               </a:tr>
-              <a:tr h="249084">
+              <a:tr h="260390">
                 <a:tc>
                   <a:txBody>
                     <a:bodyPr/>
@@ -12307,7 +12633,7 @@
                           <a:latin typeface="Meiryo UI" pitchFamily="50" charset="-128"/>
                           <a:ea typeface="Meiryo UI" pitchFamily="50" charset="-128"/>
                         </a:rPr>
-                        <a:t>0.0692%</a:t>
+                        <a:t>0.1941%</a:t>
                       </a:r>
                       <a:endParaRPr kumimoji="1" lang="ja-JP" altLang="en-US" sz="1200" b="0" dirty="0">
                         <a:solidFill>
@@ -12523,7 +12849,7 @@
                   </a:ext>
                 </a:extLst>
               </a:tr>
-              <a:tr h="249084">
+              <a:tr h="260390">
                 <a:tc>
                   <a:txBody>
                     <a:bodyPr/>
@@ -12882,7 +13208,7 @@
                           <a:latin typeface="Meiryo UI" pitchFamily="50" charset="-128"/>
                           <a:ea typeface="Meiryo UI" pitchFamily="50" charset="-128"/>
                         </a:rPr>
-                        <a:t>261uA</a:t>
+                        <a:t>486.9uA(avg)</a:t>
                       </a:r>
                       <a:endParaRPr kumimoji="1" lang="ja-JP" altLang="en-US" sz="1200" b="0" dirty="0">
                         <a:solidFill>
@@ -13081,7 +13407,7 @@
                   </a:ext>
                 </a:extLst>
               </a:tr>
-              <a:tr h="249084">
+              <a:tr h="260390">
                 <a:tc>
                   <a:txBody>
                     <a:bodyPr/>
@@ -13412,6 +13738,16 @@
                     <a:bodyPr/>
                     <a:lstStyle/>
                     <a:p>
+                      <a:r>
+                        <a:rPr kumimoji="1" lang="en-US" altLang="ja-JP" sz="1200" b="0" dirty="0">
+                          <a:solidFill>
+                            <a:schemeClr val="tx1"/>
+                          </a:solidFill>
+                          <a:latin typeface="Meiryo UI" pitchFamily="50" charset="-128"/>
+                          <a:ea typeface="Meiryo UI" pitchFamily="50" charset="-128"/>
+                        </a:rPr>
+                        <a:t>107uA(avg)</a:t>
+                      </a:r>
                       <a:endParaRPr kumimoji="1" lang="ja-JP" altLang="en-US" sz="1200" b="0" dirty="0">
                         <a:solidFill>
                           <a:schemeClr val="tx1"/>
@@ -13609,7 +13945,7 @@
                   </a:ext>
                 </a:extLst>
               </a:tr>
-              <a:tr h="183317">
+              <a:tr h="260390">
                 <a:tc gridSpan="8">
                   <a:txBody>
                     <a:bodyPr/>
@@ -13897,14 +14233,10 @@
                     <a:bodyPr/>
                     <a:lstStyle/>
                     <a:p>
-                      <a:endParaRPr kumimoji="1" lang="ja-JP" altLang="en-US" sz="1200" b="0" dirty="0">
-                        <a:solidFill>
-                          <a:schemeClr val="tx1"/>
-                        </a:solidFill>
-                      </a:endParaRPr>
+                      <a:endParaRPr kumimoji="1" lang="ja-JP" altLang="en-US"/>
                     </a:p>
                   </a:txBody>
-                  <a:tcPr marL="36000" marR="36000" marT="36000" marB="36000">
+                  <a:tcPr>
                     <a:lnL w="12700" cap="flat" cmpd="sng" algn="ctr">
                       <a:solidFill>
                         <a:schemeClr val="tx1"/>
@@ -13914,15 +14246,6 @@
                       <a:headEnd type="none" w="med" len="med"/>
                       <a:tailEnd type="none" w="med" len="med"/>
                     </a:lnL>
-                    <a:lnR w="12700" cap="flat" cmpd="sng" algn="ctr">
-                      <a:solidFill>
-                        <a:schemeClr val="tx1"/>
-                      </a:solidFill>
-                      <a:prstDash val="solid"/>
-                      <a:round/>
-                      <a:headEnd type="none" w="med" len="med"/>
-                      <a:tailEnd type="none" w="med" len="med"/>
-                    </a:lnR>
                     <a:lnT w="12700" cap="flat" cmpd="sng" algn="ctr">
                       <a:solidFill>
                         <a:schemeClr val="tx1"/>
@@ -13932,24 +14255,6 @@
                       <a:headEnd type="none" w="med" len="med"/>
                       <a:tailEnd type="none" w="med" len="med"/>
                     </a:lnT>
-                    <a:lnB w="12700" cap="flat" cmpd="sng" algn="ctr">
-                      <a:solidFill>
-                        <a:schemeClr val="tx1"/>
-                      </a:solidFill>
-                      <a:prstDash val="solid"/>
-                      <a:round/>
-                      <a:headEnd type="none" w="med" len="med"/>
-                      <a:tailEnd type="none" w="med" len="med"/>
-                    </a:lnB>
-                    <a:lnTlToBr w="12700" cmpd="sng">
-                      <a:noFill/>
-                      <a:prstDash val="solid"/>
-                    </a:lnTlToBr>
-                    <a:lnBlToTr w="12700" cmpd="sng">
-                      <a:noFill/>
-                      <a:prstDash val="solid"/>
-                    </a:lnBlToTr>
-                    <a:noFill/>
                   </a:tcPr>
                 </a:tc>
                 <a:tc hMerge="1">
@@ -13960,7 +14265,26 @@
                       <a:endParaRPr kumimoji="1" lang="ja-JP" altLang="en-US"/>
                     </a:p>
                   </a:txBody>
-                  <a:tcPr/>
+                  <a:tcPr>
+                    <a:lnL w="12700" cap="flat" cmpd="sng" algn="ctr">
+                      <a:solidFill>
+                        <a:schemeClr val="tx1"/>
+                      </a:solidFill>
+                      <a:prstDash val="solid"/>
+                      <a:round/>
+                      <a:headEnd type="none" w="med" len="med"/>
+                      <a:tailEnd type="none" w="med" len="med"/>
+                    </a:lnL>
+                    <a:lnT w="12700" cap="flat" cmpd="sng" algn="ctr">
+                      <a:solidFill>
+                        <a:schemeClr val="tx1"/>
+                      </a:solidFill>
+                      <a:prstDash val="solid"/>
+                      <a:round/>
+                      <a:headEnd type="none" w="med" len="med"/>
+                      <a:tailEnd type="none" w="med" len="med"/>
+                    </a:lnT>
+                  </a:tcPr>
                 </a:tc>
                 <a:extLst>
                   <a:ext uri="{0D108BD9-81ED-4DB2-BD59-A6C34878D82A}">
@@ -13968,7 +14292,7 @@
                   </a:ext>
                 </a:extLst>
               </a:tr>
-              <a:tr h="183317">
+              <a:tr h="260390">
                 <a:tc>
                   <a:txBody>
                     <a:bodyPr/>
@@ -14243,6 +14567,16 @@
                     <a:bodyPr/>
                     <a:lstStyle/>
                     <a:p>
+                      <a:r>
+                        <a:rPr kumimoji="1" lang="en-US" altLang="ja-JP" sz="1200" b="0" dirty="0">
+                          <a:solidFill>
+                            <a:schemeClr val="tx1"/>
+                          </a:solidFill>
+                          <a:latin typeface="Meiryo UI" pitchFamily="50" charset="-128"/>
+                          <a:ea typeface="Meiryo UI" pitchFamily="50" charset="-128"/>
+                        </a:rPr>
+                        <a:t>**</a:t>
+                      </a:r>
                       <a:endParaRPr kumimoji="1" lang="ja-JP" altLang="en-US" sz="1200" b="0" dirty="0">
                         <a:solidFill>
                           <a:schemeClr val="tx1"/>
@@ -14333,15 +14667,6 @@
                       <a:headEnd type="none" w="med" len="med"/>
                       <a:tailEnd type="none" w="med" len="med"/>
                     </a:lnR>
-                    <a:lnT w="12700" cap="flat" cmpd="sng" algn="ctr">
-                      <a:solidFill>
-                        <a:schemeClr val="tx1"/>
-                      </a:solidFill>
-                      <a:prstDash val="solid"/>
-                      <a:round/>
-                      <a:headEnd type="none" w="med" len="med"/>
-                      <a:tailEnd type="none" w="med" len="med"/>
-                    </a:lnT>
                     <a:lnB w="12700" cap="flat" cmpd="sng" algn="ctr">
                       <a:solidFill>
                         <a:schemeClr val="tx1"/>
@@ -14405,15 +14730,6 @@
                       <a:headEnd type="none" w="med" len="med"/>
                       <a:tailEnd type="none" w="med" len="med"/>
                     </a:lnR>
-                    <a:lnT w="12700" cap="flat" cmpd="sng" algn="ctr">
-                      <a:solidFill>
-                        <a:schemeClr val="tx1"/>
-                      </a:solidFill>
-                      <a:prstDash val="solid"/>
-                      <a:round/>
-                      <a:headEnd type="none" w="med" len="med"/>
-                      <a:tailEnd type="none" w="med" len="med"/>
-                    </a:lnT>
                     <a:lnB w="12700" cap="flat" cmpd="sng" algn="ctr">
                       <a:solidFill>
                         <a:schemeClr val="tx1"/>
@@ -14440,7 +14756,7 @@
                   </a:ext>
                 </a:extLst>
               </a:tr>
-              <a:tr h="193513">
+              <a:tr h="260390">
                 <a:tc>
                   <a:txBody>
                     <a:bodyPr/>
@@ -14715,6 +15031,26 @@
                     <a:bodyPr/>
                     <a:lstStyle/>
                     <a:p>
+                      <a:r>
+                        <a:rPr kumimoji="1" lang="ja-JP" altLang="en-US" sz="1200" b="0" dirty="0">
+                          <a:solidFill>
+                            <a:schemeClr val="tx1"/>
+                          </a:solidFill>
+                          <a:latin typeface="Meiryo UI" pitchFamily="50" charset="-128"/>
+                          <a:ea typeface="Meiryo UI" pitchFamily="50" charset="-128"/>
+                        </a:rPr>
+                        <a:t>約</a:t>
+                      </a:r>
+                      <a:r>
+                        <a:rPr kumimoji="1" lang="en-US" altLang="ja-JP" sz="1200" b="0" dirty="0">
+                          <a:solidFill>
+                            <a:schemeClr val="tx1"/>
+                          </a:solidFill>
+                          <a:latin typeface="Meiryo UI" pitchFamily="50" charset="-128"/>
+                          <a:ea typeface="Meiryo UI" pitchFamily="50" charset="-128"/>
+                        </a:rPr>
+                        <a:t>60</a:t>
+                      </a:r>
                       <a:endParaRPr kumimoji="1" lang="ja-JP" altLang="en-US" sz="1200" b="0" dirty="0">
                         <a:solidFill>
                           <a:schemeClr val="tx1"/>
@@ -14900,7 +15236,7 @@
                   </a:ext>
                 </a:extLst>
               </a:tr>
-              <a:tr h="193513">
+              <a:tr h="447223">
                 <a:tc>
                   <a:txBody>
                     <a:bodyPr/>
@@ -15222,6 +15558,28 @@
                     <a:bodyPr/>
                     <a:lstStyle/>
                     <a:p>
+                      <a:r>
+                        <a:rPr kumimoji="1" lang="en-US" altLang="ja-JP" sz="1200" b="0" dirty="0">
+                          <a:solidFill>
+                            <a:schemeClr val="tx1"/>
+                          </a:solidFill>
+                          <a:latin typeface="Meiryo UI" pitchFamily="50" charset="-128"/>
+                          <a:ea typeface="Meiryo UI" pitchFamily="50" charset="-128"/>
+                        </a:rPr>
+                        <a:t>Rise 64.7 </a:t>
+                      </a:r>
+                    </a:p>
+                    <a:p>
+                      <a:r>
+                        <a:rPr kumimoji="1" lang="en-US" altLang="ja-JP" sz="1200" b="0" dirty="0">
+                          <a:solidFill>
+                            <a:schemeClr val="tx1"/>
+                          </a:solidFill>
+                          <a:latin typeface="Meiryo UI" pitchFamily="50" charset="-128"/>
+                          <a:ea typeface="Meiryo UI" pitchFamily="50" charset="-128"/>
+                        </a:rPr>
+                        <a:t>Fall 167.2</a:t>
+                      </a:r>
                       <a:endParaRPr kumimoji="1" lang="ja-JP" altLang="en-US" sz="1200" b="0" dirty="0">
                         <a:solidFill>
                           <a:schemeClr val="tx1"/>
@@ -15407,7 +15765,7 @@
                   </a:ext>
                 </a:extLst>
               </a:tr>
-              <a:tr h="193513">
+              <a:tr h="260390">
                 <a:tc>
                   <a:txBody>
                     <a:bodyPr/>
@@ -15692,6 +16050,16 @@
                     <a:bodyPr/>
                     <a:lstStyle/>
                     <a:p>
+                      <a:r>
+                        <a:rPr kumimoji="1" lang="en-US" altLang="ja-JP" sz="1200" b="0" dirty="0">
+                          <a:solidFill>
+                            <a:schemeClr val="tx1"/>
+                          </a:solidFill>
+                          <a:latin typeface="Meiryo UI" pitchFamily="50" charset="-128"/>
+                          <a:ea typeface="Meiryo UI" pitchFamily="50" charset="-128"/>
+                        </a:rPr>
+                        <a:t>0.668uA(avg)</a:t>
+                      </a:r>
                       <a:endParaRPr kumimoji="1" lang="ja-JP" altLang="en-US" sz="1200" b="0" dirty="0">
                         <a:solidFill>
                           <a:schemeClr val="tx1"/>
@@ -16743,7 +17111,7 @@
         </p:nvSpPr>
         <p:spPr>
           <a:xfrm>
-            <a:off x="395536" y="3656057"/>
+            <a:off x="395536" y="3781421"/>
             <a:ext cx="4319340" cy="276999"/>
           </a:xfrm>
           <a:prstGeom prst="rect">
@@ -17073,6 +17441,246 @@
 </file>
 
 <file path=ppt/slides/slide5.xml><?xml version="1.0" encoding="utf-8"?>
+<p:sld xmlns:a="http://schemas.openxmlformats.org/drawingml/2006/main" xmlns:r="http://schemas.openxmlformats.org/officeDocument/2006/relationships" xmlns:p="http://schemas.openxmlformats.org/presentationml/2006/main">
+  <p:cSld>
+    <p:spTree>
+      <p:nvGrpSpPr>
+        <p:cNvPr id="1" name=""/>
+        <p:cNvGrpSpPr/>
+        <p:nvPr/>
+      </p:nvGrpSpPr>
+      <p:grpSpPr>
+        <a:xfrm>
+          <a:off x="0" y="0"/>
+          <a:ext cx="0" cy="0"/>
+          <a:chOff x="0" y="0"/>
+          <a:chExt cx="0" cy="0"/>
+        </a:xfrm>
+      </p:grpSpPr>
+      <p:sp>
+        <p:nvSpPr>
+          <p:cNvPr id="2" name="タイトル 1">
+            <a:extLst>
+              <a:ext uri="{FF2B5EF4-FFF2-40B4-BE49-F238E27FC236}">
+                <a16:creationId xmlns:a16="http://schemas.microsoft.com/office/drawing/2014/main" id="{8A4FAC1F-ACEE-DD46-AB5E-A30FD1823B86}"/>
+              </a:ext>
+            </a:extLst>
+          </p:cNvPr>
+          <p:cNvSpPr>
+            <a:spLocks noGrp="1"/>
+          </p:cNvSpPr>
+          <p:nvPr>
+            <p:ph type="title"/>
+          </p:nvPr>
+        </p:nvSpPr>
+        <p:spPr/>
+        <p:txBody>
+          <a:bodyPr/>
+          <a:lstStyle/>
+          <a:p>
+            <a:r>
+              <a:rPr kumimoji="1" lang="en-US" altLang="ja-JP" dirty="0" err="1"/>
+              <a:t>Ptop</a:t>
+            </a:r>
+            <a:r>
+              <a:rPr kumimoji="1" lang="en-US" altLang="ja-JP" dirty="0"/>
+              <a:t> 1121</a:t>
+            </a:r>
+            <a:endParaRPr kumimoji="1" lang="ja-JP" altLang="en-US" dirty="0"/>
+          </a:p>
+        </p:txBody>
+      </p:sp>
+      <p:sp>
+        <p:nvSpPr>
+          <p:cNvPr id="4" name="スライド番号プレースホルダー 3">
+            <a:extLst>
+              <a:ext uri="{FF2B5EF4-FFF2-40B4-BE49-F238E27FC236}">
+                <a16:creationId xmlns:a16="http://schemas.microsoft.com/office/drawing/2014/main" id="{2C3E70DD-C8BA-8605-D690-56ED905385C2}"/>
+              </a:ext>
+            </a:extLst>
+          </p:cNvPr>
+          <p:cNvSpPr>
+            <a:spLocks noGrp="1"/>
+          </p:cNvSpPr>
+          <p:nvPr>
+            <p:ph type="sldNum" sz="quarter" idx="12"/>
+          </p:nvPr>
+        </p:nvSpPr>
+        <p:spPr/>
+        <p:txBody>
+          <a:bodyPr/>
+          <a:lstStyle/>
+          <a:p>
+            <a:fld id="{7067EBB7-56E9-4EC2-9C19-58F9D49578C9}" type="slidenum">
+              <a:rPr kumimoji="1" lang="ja-JP" altLang="en-US" smtClean="0"/>
+              <a:t>5</a:t>
+            </a:fld>
+            <a:endParaRPr kumimoji="1" lang="ja-JP" altLang="en-US"/>
+          </a:p>
+        </p:txBody>
+      </p:sp>
+      <p:pic>
+        <p:nvPicPr>
+          <p:cNvPr id="6" name="図 5">
+            <a:extLst>
+              <a:ext uri="{FF2B5EF4-FFF2-40B4-BE49-F238E27FC236}">
+                <a16:creationId xmlns:a16="http://schemas.microsoft.com/office/drawing/2014/main" id="{7199A766-81BD-00AD-C49E-9686B2E28D98}"/>
+              </a:ext>
+            </a:extLst>
+          </p:cNvPr>
+          <p:cNvPicPr>
+            <a:picLocks noChangeAspect="1"/>
+          </p:cNvPicPr>
+          <p:nvPr/>
+        </p:nvPicPr>
+        <p:blipFill>
+          <a:blip r:embed="rId2"/>
+          <a:stretch>
+            <a:fillRect/>
+          </a:stretch>
+        </p:blipFill>
+        <p:spPr>
+          <a:xfrm>
+            <a:off x="525780" y="1937087"/>
+            <a:ext cx="8092440" cy="4172865"/>
+          </a:xfrm>
+          <a:prstGeom prst="rect">
+            <a:avLst/>
+          </a:prstGeom>
+        </p:spPr>
+      </p:pic>
+    </p:spTree>
+    <p:extLst>
+      <p:ext uri="{BB962C8B-B14F-4D97-AF65-F5344CB8AC3E}">
+        <p14:creationId xmlns:p14="http://schemas.microsoft.com/office/powerpoint/2010/main" val="1090356740"/>
+      </p:ext>
+    </p:extLst>
+  </p:cSld>
+  <p:clrMapOvr>
+    <a:masterClrMapping/>
+  </p:clrMapOvr>
+</p:sld>
+</file>
+
+<file path=ppt/slides/slide6.xml><?xml version="1.0" encoding="utf-8"?>
+<p:sld xmlns:a="http://schemas.openxmlformats.org/drawingml/2006/main" xmlns:r="http://schemas.openxmlformats.org/officeDocument/2006/relationships" xmlns:p="http://schemas.openxmlformats.org/presentationml/2006/main">
+  <p:cSld>
+    <p:spTree>
+      <p:nvGrpSpPr>
+        <p:cNvPr id="1" name=""/>
+        <p:cNvGrpSpPr/>
+        <p:nvPr/>
+      </p:nvGrpSpPr>
+      <p:grpSpPr>
+        <a:xfrm>
+          <a:off x="0" y="0"/>
+          <a:ext cx="0" cy="0"/>
+          <a:chOff x="0" y="0"/>
+          <a:chExt cx="0" cy="0"/>
+        </a:xfrm>
+      </p:grpSpPr>
+      <p:sp>
+        <p:nvSpPr>
+          <p:cNvPr id="2" name="タイトル 1">
+            <a:extLst>
+              <a:ext uri="{FF2B5EF4-FFF2-40B4-BE49-F238E27FC236}">
+                <a16:creationId xmlns:a16="http://schemas.microsoft.com/office/drawing/2014/main" id="{F600E9A6-BDBA-5EFE-F350-658F1B3434BF}"/>
+              </a:ext>
+            </a:extLst>
+          </p:cNvPr>
+          <p:cNvSpPr>
+            <a:spLocks noGrp="1"/>
+          </p:cNvSpPr>
+          <p:nvPr>
+            <p:ph type="title"/>
+          </p:nvPr>
+        </p:nvSpPr>
+        <p:spPr/>
+        <p:txBody>
+          <a:bodyPr/>
+          <a:lstStyle/>
+          <a:p>
+            <a:r>
+              <a:rPr kumimoji="1" lang="en-US" altLang="ja-JP" dirty="0"/>
+              <a:t>SR1121</a:t>
+            </a:r>
+            <a:endParaRPr kumimoji="1" lang="ja-JP" altLang="en-US" dirty="0"/>
+          </a:p>
+        </p:txBody>
+      </p:sp>
+      <p:sp>
+        <p:nvSpPr>
+          <p:cNvPr id="4" name="スライド番号プレースホルダー 3">
+            <a:extLst>
+              <a:ext uri="{FF2B5EF4-FFF2-40B4-BE49-F238E27FC236}">
+                <a16:creationId xmlns:a16="http://schemas.microsoft.com/office/drawing/2014/main" id="{83C44DC3-9F4D-019E-95BD-D366080ED498}"/>
+              </a:ext>
+            </a:extLst>
+          </p:cNvPr>
+          <p:cNvSpPr>
+            <a:spLocks noGrp="1"/>
+          </p:cNvSpPr>
+          <p:nvPr>
+            <p:ph type="sldNum" sz="quarter" idx="12"/>
+          </p:nvPr>
+        </p:nvSpPr>
+        <p:spPr/>
+        <p:txBody>
+          <a:bodyPr/>
+          <a:lstStyle/>
+          <a:p>
+            <a:fld id="{7067EBB7-56E9-4EC2-9C19-58F9D49578C9}" type="slidenum">
+              <a:rPr kumimoji="1" lang="ja-JP" altLang="en-US" smtClean="0"/>
+              <a:t>6</a:t>
+            </a:fld>
+            <a:endParaRPr kumimoji="1" lang="ja-JP" altLang="en-US"/>
+          </a:p>
+        </p:txBody>
+      </p:sp>
+      <p:pic>
+        <p:nvPicPr>
+          <p:cNvPr id="6" name="図 5">
+            <a:extLst>
+              <a:ext uri="{FF2B5EF4-FFF2-40B4-BE49-F238E27FC236}">
+                <a16:creationId xmlns:a16="http://schemas.microsoft.com/office/drawing/2014/main" id="{698CC811-3834-5347-554C-856A0BD47774}"/>
+              </a:ext>
+            </a:extLst>
+          </p:cNvPr>
+          <p:cNvPicPr>
+            <a:picLocks noChangeAspect="1"/>
+          </p:cNvPicPr>
+          <p:nvPr/>
+        </p:nvPicPr>
+        <p:blipFill>
+          <a:blip r:embed="rId2"/>
+          <a:stretch>
+            <a:fillRect/>
+          </a:stretch>
+        </p:blipFill>
+        <p:spPr>
+          <a:xfrm>
+            <a:off x="560070" y="1878022"/>
+            <a:ext cx="8023860" cy="4085255"/>
+          </a:xfrm>
+          <a:prstGeom prst="rect">
+            <a:avLst/>
+          </a:prstGeom>
+        </p:spPr>
+      </p:pic>
+    </p:spTree>
+    <p:extLst>
+      <p:ext uri="{BB962C8B-B14F-4D97-AF65-F5344CB8AC3E}">
+        <p14:creationId xmlns:p14="http://schemas.microsoft.com/office/powerpoint/2010/main" val="4205986378"/>
+      </p:ext>
+    </p:extLst>
+  </p:cSld>
+  <p:clrMapOvr>
+    <a:masterClrMapping/>
+  </p:clrMapOvr>
+</p:sld>
+</file>
+
+<file path=ppt/slides/slide7.xml><?xml version="1.0" encoding="utf-8"?>
 <p:sld xmlns:a="http://schemas.openxmlformats.org/drawingml/2006/main" xmlns:r="http://schemas.openxmlformats.org/officeDocument/2006/relationships" xmlns:p="http://schemas.openxmlformats.org/presentationml/2006/main">
   <p:cSld>
     <p:spTree>
@@ -17166,7 +17774,7 @@
           <a:p>
             <a:fld id="{8E54C326-97E4-4F40-A447-F041AC4A58B3}" type="slidenum">
               <a:rPr kumimoji="1" lang="ja-JP" altLang="en-US" smtClean="0"/>
-              <a:t>5</a:t>
+              <a:t>7</a:t>
             </a:fld>
             <a:endParaRPr kumimoji="1" lang="ja-JP" altLang="en-US"/>
           </a:p>
@@ -18021,7 +18629,7 @@
 </p:sld>
 </file>
 
-<file path=ppt/slides/slide6.xml><?xml version="1.0" encoding="utf-8"?>
+<file path=ppt/slides/slide8.xml><?xml version="1.0" encoding="utf-8"?>
 <p:sld xmlns:a="http://schemas.openxmlformats.org/drawingml/2006/main" xmlns:r="http://schemas.openxmlformats.org/officeDocument/2006/relationships" xmlns:p="http://schemas.openxmlformats.org/presentationml/2006/main">
   <p:cSld>
     <p:spTree>
@@ -18119,7 +18727,7 @@
           <a:p>
             <a:fld id="{7067EBB7-56E9-4EC2-9C19-58F9D49578C9}" type="slidenum">
               <a:rPr kumimoji="1" lang="ja-JP" altLang="en-US" smtClean="0"/>
-              <a:t>6</a:t>
+              <a:t>8</a:t>
             </a:fld>
             <a:endParaRPr kumimoji="1" lang="ja-JP" altLang="en-US"/>
           </a:p>
@@ -18173,7 +18781,7 @@
 </p:sld>
 </file>
 
-<file path=ppt/slides/slide7.xml><?xml version="1.0" encoding="utf-8"?>
+<file path=ppt/slides/slide9.xml><?xml version="1.0" encoding="utf-8"?>
 <p:sld xmlns:a="http://schemas.openxmlformats.org/drawingml/2006/main" xmlns:r="http://schemas.openxmlformats.org/officeDocument/2006/relationships" xmlns:p="http://schemas.openxmlformats.org/presentationml/2006/main">
   <p:cSld>
     <p:spTree>
@@ -18391,7 +18999,7 @@
           <a:p>
             <a:fld id="{7067EBB7-56E9-4EC2-9C19-58F9D49578C9}" type="slidenum">
               <a:rPr kumimoji="1" lang="ja-JP" altLang="en-US" smtClean="0"/>
-              <a:t>7</a:t>
+              <a:t>9</a:t>
             </a:fld>
             <a:endParaRPr kumimoji="1" lang="ja-JP" altLang="en-US"/>
           </a:p>
@@ -18464,371 +19072,6 @@
     <p:extLst>
       <p:ext uri="{BB962C8B-B14F-4D97-AF65-F5344CB8AC3E}">
         <p14:creationId xmlns:p14="http://schemas.microsoft.com/office/powerpoint/2010/main" val="563222312"/>
-      </p:ext>
-    </p:extLst>
-  </p:cSld>
-  <p:clrMapOvr>
-    <a:masterClrMapping/>
-  </p:clrMapOvr>
-</p:sld>
-</file>
-
-<file path=ppt/slides/slide8.xml><?xml version="1.0" encoding="utf-8"?>
-<p:sld xmlns:a="http://schemas.openxmlformats.org/drawingml/2006/main" xmlns:r="http://schemas.openxmlformats.org/officeDocument/2006/relationships" xmlns:p="http://schemas.openxmlformats.org/presentationml/2006/main">
-  <p:cSld>
-    <p:spTree>
-      <p:nvGrpSpPr>
-        <p:cNvPr id="1" name=""/>
-        <p:cNvGrpSpPr/>
-        <p:nvPr/>
-      </p:nvGrpSpPr>
-      <p:grpSpPr>
-        <a:xfrm>
-          <a:off x="0" y="0"/>
-          <a:ext cx="0" cy="0"/>
-          <a:chOff x="0" y="0"/>
-          <a:chExt cx="0" cy="0"/>
-        </a:xfrm>
-      </p:grpSpPr>
-      <p:sp>
-        <p:nvSpPr>
-          <p:cNvPr id="2" name="タイトル 1">
-            <a:extLst>
-              <a:ext uri="{FF2B5EF4-FFF2-40B4-BE49-F238E27FC236}">
-                <a16:creationId xmlns:a16="http://schemas.microsoft.com/office/drawing/2014/main" id="{9796D313-238E-5BF1-FCB1-2E8D20A5191A}"/>
-              </a:ext>
-            </a:extLst>
-          </p:cNvPr>
-          <p:cNvSpPr>
-            <a:spLocks noGrp="1"/>
-          </p:cNvSpPr>
-          <p:nvPr>
-            <p:ph type="title"/>
-          </p:nvPr>
-        </p:nvSpPr>
-        <p:spPr>
-          <a:xfrm>
-            <a:off x="628650" y="178484"/>
-            <a:ext cx="7886700" cy="1325563"/>
-          </a:xfrm>
-        </p:spPr>
-        <p:txBody>
-          <a:bodyPr/>
-          <a:lstStyle/>
-          <a:p>
-            <a:r>
-              <a:rPr kumimoji="1" lang="en-US" altLang="ja-JP" dirty="0"/>
-              <a:t>DAC</a:t>
-            </a:r>
-            <a:r>
-              <a:rPr kumimoji="1" lang="ja-JP" altLang="en-US" dirty="0"/>
-              <a:t>出力の確認</a:t>
-            </a:r>
-          </a:p>
-        </p:txBody>
-      </p:sp>
-      <p:pic>
-        <p:nvPicPr>
-          <p:cNvPr id="5" name="図 4">
-            <a:extLst>
-              <a:ext uri="{FF2B5EF4-FFF2-40B4-BE49-F238E27FC236}">
-                <a16:creationId xmlns:a16="http://schemas.microsoft.com/office/drawing/2014/main" id="{43052A03-38F5-8867-0CD8-03E082FDA877}"/>
-              </a:ext>
-            </a:extLst>
-          </p:cNvPr>
-          <p:cNvPicPr>
-            <a:picLocks noChangeAspect="1"/>
-          </p:cNvPicPr>
-          <p:nvPr/>
-        </p:nvPicPr>
-        <p:blipFill>
-          <a:blip r:embed="rId2"/>
-          <a:stretch>
-            <a:fillRect/>
-          </a:stretch>
-        </p:blipFill>
-        <p:spPr>
-          <a:xfrm>
-            <a:off x="1424762" y="1270212"/>
-            <a:ext cx="6294475" cy="4563075"/>
-          </a:xfrm>
-          <a:prstGeom prst="rect">
-            <a:avLst/>
-          </a:prstGeom>
-        </p:spPr>
-      </p:pic>
-      <p:sp>
-        <p:nvSpPr>
-          <p:cNvPr id="3" name="スライド番号プレースホルダー 2">
-            <a:extLst>
-              <a:ext uri="{FF2B5EF4-FFF2-40B4-BE49-F238E27FC236}">
-                <a16:creationId xmlns:a16="http://schemas.microsoft.com/office/drawing/2014/main" id="{0A4D8341-4C5E-F48E-2059-0BCFF1B1B27D}"/>
-              </a:ext>
-            </a:extLst>
-          </p:cNvPr>
-          <p:cNvSpPr>
-            <a:spLocks noGrp="1"/>
-          </p:cNvSpPr>
-          <p:nvPr>
-            <p:ph type="sldNum" sz="quarter" idx="12"/>
-          </p:nvPr>
-        </p:nvSpPr>
-        <p:spPr/>
-        <p:txBody>
-          <a:bodyPr/>
-          <a:lstStyle/>
-          <a:p>
-            <a:fld id="{7067EBB7-56E9-4EC2-9C19-58F9D49578C9}" type="slidenum">
-              <a:rPr kumimoji="1" lang="ja-JP" altLang="en-US" smtClean="0"/>
-              <a:t>8</a:t>
-            </a:fld>
-            <a:endParaRPr kumimoji="1" lang="ja-JP" altLang="en-US"/>
-          </a:p>
-        </p:txBody>
-      </p:sp>
-      <p:sp>
-        <p:nvSpPr>
-          <p:cNvPr id="4" name="テキスト ボックス 3">
-            <a:extLst>
-              <a:ext uri="{FF2B5EF4-FFF2-40B4-BE49-F238E27FC236}">
-                <a16:creationId xmlns:a16="http://schemas.microsoft.com/office/drawing/2014/main" id="{5775D800-35C4-0BBB-B7F6-63D006892E91}"/>
-              </a:ext>
-            </a:extLst>
-          </p:cNvPr>
-          <p:cNvSpPr txBox="1"/>
-          <p:nvPr/>
-        </p:nvSpPr>
-        <p:spPr>
-          <a:xfrm>
-            <a:off x="2030818" y="6033185"/>
-            <a:ext cx="4784651" cy="646331"/>
-          </a:xfrm>
-          <a:prstGeom prst="rect">
-            <a:avLst/>
-          </a:prstGeom>
-          <a:noFill/>
-        </p:spPr>
-        <p:txBody>
-          <a:bodyPr wrap="square" rtlCol="0">
-            <a:spAutoFit/>
-          </a:bodyPr>
-          <a:lstStyle/>
-          <a:p>
-            <a:r>
-              <a:rPr kumimoji="1" lang="ja-JP" altLang="en-US" dirty="0"/>
-              <a:t>オフセット誤差：</a:t>
-            </a:r>
-            <a:r>
-              <a:rPr kumimoji="1" lang="en-US" altLang="ja-JP" dirty="0"/>
-              <a:t>-0.0524%</a:t>
-            </a:r>
-          </a:p>
-          <a:p>
-            <a:r>
-              <a:rPr kumimoji="1" lang="ja-JP" altLang="en-US" dirty="0"/>
-              <a:t>ゲイン誤差：</a:t>
-            </a:r>
-            <a:r>
-              <a:rPr kumimoji="1" lang="en-US" altLang="ja-JP" dirty="0"/>
-              <a:t>0.0692%</a:t>
-            </a:r>
-          </a:p>
-        </p:txBody>
-      </p:sp>
-    </p:spTree>
-    <p:extLst>
-      <p:ext uri="{BB962C8B-B14F-4D97-AF65-F5344CB8AC3E}">
-        <p14:creationId xmlns:p14="http://schemas.microsoft.com/office/powerpoint/2010/main" val="523695254"/>
-      </p:ext>
-    </p:extLst>
-  </p:cSld>
-  <p:clrMapOvr>
-    <a:masterClrMapping/>
-  </p:clrMapOvr>
-</p:sld>
-</file>
-
-<file path=ppt/slides/slide9.xml><?xml version="1.0" encoding="utf-8"?>
-<p:sld xmlns:a="http://schemas.openxmlformats.org/drawingml/2006/main" xmlns:r="http://schemas.openxmlformats.org/officeDocument/2006/relationships" xmlns:p="http://schemas.openxmlformats.org/presentationml/2006/main">
-  <p:cSld>
-    <p:spTree>
-      <p:nvGrpSpPr>
-        <p:cNvPr id="1" name=""/>
-        <p:cNvGrpSpPr/>
-        <p:nvPr/>
-      </p:nvGrpSpPr>
-      <p:grpSpPr>
-        <a:xfrm>
-          <a:off x="0" y="0"/>
-          <a:ext cx="0" cy="0"/>
-          <a:chOff x="0" y="0"/>
-          <a:chExt cx="0" cy="0"/>
-        </a:xfrm>
-      </p:grpSpPr>
-      <p:sp>
-        <p:nvSpPr>
-          <p:cNvPr id="2" name="タイトル 1">
-            <a:extLst>
-              <a:ext uri="{FF2B5EF4-FFF2-40B4-BE49-F238E27FC236}">
-                <a16:creationId xmlns:a16="http://schemas.microsoft.com/office/drawing/2014/main" id="{F42B8CA0-F683-A0C3-11CF-F03788D3ADD3}"/>
-              </a:ext>
-            </a:extLst>
-          </p:cNvPr>
-          <p:cNvSpPr>
-            <a:spLocks noGrp="1"/>
-          </p:cNvSpPr>
-          <p:nvPr>
-            <p:ph type="title"/>
-          </p:nvPr>
-        </p:nvSpPr>
-        <p:spPr>
-          <a:xfrm>
-            <a:off x="477136" y="136524"/>
-            <a:ext cx="7886700" cy="1325563"/>
-          </a:xfrm>
-        </p:spPr>
-        <p:txBody>
-          <a:bodyPr/>
-          <a:lstStyle/>
-          <a:p>
-            <a:r>
-              <a:rPr kumimoji="1" lang="ja-JP" altLang="en-US" dirty="0"/>
-              <a:t>消費電流</a:t>
-            </a:r>
-          </a:p>
-        </p:txBody>
-      </p:sp>
-      <p:pic>
-        <p:nvPicPr>
-          <p:cNvPr id="8" name="図 7">
-            <a:extLst>
-              <a:ext uri="{FF2B5EF4-FFF2-40B4-BE49-F238E27FC236}">
-                <a16:creationId xmlns:a16="http://schemas.microsoft.com/office/drawing/2014/main" id="{835CE33F-3B51-D65B-C41E-2493B3D0927C}"/>
-              </a:ext>
-            </a:extLst>
-          </p:cNvPr>
-          <p:cNvPicPr>
-            <a:picLocks noChangeAspect="1"/>
-          </p:cNvPicPr>
-          <p:nvPr/>
-        </p:nvPicPr>
-        <p:blipFill>
-          <a:blip r:embed="rId2"/>
-          <a:stretch>
-            <a:fillRect/>
-          </a:stretch>
-        </p:blipFill>
-        <p:spPr>
-          <a:xfrm>
-            <a:off x="951614" y="1383304"/>
-            <a:ext cx="6937745" cy="4470579"/>
-          </a:xfrm>
-          <a:prstGeom prst="rect">
-            <a:avLst/>
-          </a:prstGeom>
-        </p:spPr>
-      </p:pic>
-      <p:sp>
-        <p:nvSpPr>
-          <p:cNvPr id="3" name="スライド番号プレースホルダー 2">
-            <a:extLst>
-              <a:ext uri="{FF2B5EF4-FFF2-40B4-BE49-F238E27FC236}">
-                <a16:creationId xmlns:a16="http://schemas.microsoft.com/office/drawing/2014/main" id="{F56AFB60-58BD-7F06-C0A6-5340656EF1A3}"/>
-              </a:ext>
-            </a:extLst>
-          </p:cNvPr>
-          <p:cNvSpPr>
-            <a:spLocks noGrp="1"/>
-          </p:cNvSpPr>
-          <p:nvPr>
-            <p:ph type="sldNum" sz="quarter" idx="12"/>
-          </p:nvPr>
-        </p:nvSpPr>
-        <p:spPr/>
-        <p:txBody>
-          <a:bodyPr/>
-          <a:lstStyle/>
-          <a:p>
-            <a:fld id="{7067EBB7-56E9-4EC2-9C19-58F9D49578C9}" type="slidenum">
-              <a:rPr kumimoji="1" lang="ja-JP" altLang="en-US" smtClean="0"/>
-              <a:t>9</a:t>
-            </a:fld>
-            <a:endParaRPr kumimoji="1" lang="ja-JP" altLang="en-US"/>
-          </a:p>
-        </p:txBody>
-      </p:sp>
-      <p:sp>
-        <p:nvSpPr>
-          <p:cNvPr id="4" name="テキスト ボックス 3">
-            <a:extLst>
-              <a:ext uri="{FF2B5EF4-FFF2-40B4-BE49-F238E27FC236}">
-                <a16:creationId xmlns:a16="http://schemas.microsoft.com/office/drawing/2014/main" id="{7137062A-BB57-CB4A-FEE1-7B2880DB2F4F}"/>
-              </a:ext>
-            </a:extLst>
-          </p:cNvPr>
-          <p:cNvSpPr txBox="1"/>
-          <p:nvPr/>
-        </p:nvSpPr>
-        <p:spPr>
-          <a:xfrm>
-            <a:off x="1892595" y="6082393"/>
-            <a:ext cx="6124354" cy="646331"/>
-          </a:xfrm>
-          <a:prstGeom prst="rect">
-            <a:avLst/>
-          </a:prstGeom>
-          <a:noFill/>
-        </p:spPr>
-        <p:txBody>
-          <a:bodyPr wrap="square" rtlCol="0">
-            <a:spAutoFit/>
-          </a:bodyPr>
-          <a:lstStyle/>
-          <a:p>
-            <a:r>
-              <a:rPr kumimoji="1" lang="ja-JP" altLang="en-US" dirty="0"/>
-              <a:t>デジタル入力</a:t>
-            </a:r>
-            <a:r>
-              <a:rPr kumimoji="1" lang="en-US" altLang="ja-JP" dirty="0">
-                <a:latin typeface="Meiryo UI" pitchFamily="50" charset="-128"/>
-                <a:ea typeface="Meiryo UI" pitchFamily="50" charset="-128"/>
-              </a:rPr>
-              <a:t>VIN=</a:t>
-            </a:r>
-            <a:r>
-              <a:rPr kumimoji="1" lang="en-US" altLang="ja-JP" dirty="0" err="1">
-                <a:latin typeface="Meiryo UI" pitchFamily="50" charset="-128"/>
-                <a:ea typeface="Meiryo UI" pitchFamily="50" charset="-128"/>
-              </a:rPr>
-              <a:t>xfff</a:t>
-            </a:r>
-            <a:r>
-              <a:rPr kumimoji="1" lang="en-US" altLang="ja-JP" dirty="0">
-                <a:latin typeface="Meiryo UI" pitchFamily="50" charset="-128"/>
-                <a:ea typeface="Meiryo UI" pitchFamily="50" charset="-128"/>
-              </a:rPr>
-              <a:t>, PD=VIH, f=10MHz*</a:t>
-            </a:r>
-            <a:endParaRPr kumimoji="1" lang="en-US" altLang="ja-JP" dirty="0"/>
-          </a:p>
-          <a:p>
-            <a:r>
-              <a:rPr kumimoji="1" lang="ja-JP" altLang="en-US" dirty="0"/>
-              <a:t>平均電流：</a:t>
-            </a:r>
-            <a:r>
-              <a:rPr kumimoji="1" lang="en-US" altLang="ja-JP" dirty="0"/>
-              <a:t>261.14uA</a:t>
-            </a:r>
-            <a:endParaRPr kumimoji="1" lang="ja-JP" altLang="en-US" dirty="0"/>
-          </a:p>
-        </p:txBody>
-      </p:sp>
-    </p:spTree>
-    <p:extLst>
-      <p:ext uri="{BB962C8B-B14F-4D97-AF65-F5344CB8AC3E}">
-        <p14:creationId xmlns:p14="http://schemas.microsoft.com/office/powerpoint/2010/main" val="705496753"/>
       </p:ext>
     </p:extLst>
   </p:cSld>
